--- a/images/intr_graph.pptx
+++ b/images/intr_graph.pptx
@@ -161,10 +161,9 @@
           <a:lstStyle/>
           <a:p>
             <a:r>
-              <a:rPr lang="en-US" smtClean="0"/>
+              <a:rPr lang="en-US"/>
               <a:t>Click to edit Master title style</a:t>
             </a:r>
-            <a:endParaRPr lang="en-US"/>
           </a:p>
         </p:txBody>
       </p:sp>
@@ -280,10 +279,9 @@
           </a:lstStyle>
           <a:p>
             <a:r>
-              <a:rPr lang="en-US" smtClean="0"/>
+              <a:rPr lang="en-US"/>
               <a:t>Click to edit Master subtitle style</a:t>
             </a:r>
-            <a:endParaRPr lang="en-US"/>
           </a:p>
         </p:txBody>
       </p:sp>
@@ -304,7 +302,7 @@
           <a:p>
             <a:fld id="{7AA5F80A-8D10-B84B-AB6B-F2BDA657F2EB}" type="datetimeFigureOut">
               <a:rPr lang="en-US" smtClean="0"/>
-              <a:t>6/25/18</a:t>
+              <a:t>12/21/18</a:t>
             </a:fld>
             <a:endParaRPr lang="en-US"/>
           </a:p>
@@ -398,10 +396,9 @@
           <a:lstStyle/>
           <a:p>
             <a:r>
-              <a:rPr lang="en-US" smtClean="0"/>
+              <a:rPr lang="en-US"/>
               <a:t>Click to edit Master title style</a:t>
             </a:r>
-            <a:endParaRPr lang="en-US"/>
           </a:p>
         </p:txBody>
       </p:sp>
@@ -422,38 +419,37 @@
           <a:p>
             <a:pPr lvl="0"/>
             <a:r>
-              <a:rPr lang="en-US" smtClean="0"/>
+              <a:rPr lang="en-US"/>
               <a:t>Click to edit Master text styles</a:t>
             </a:r>
           </a:p>
           <a:p>
             <a:pPr lvl="1"/>
             <a:r>
-              <a:rPr lang="en-US" smtClean="0"/>
+              <a:rPr lang="en-US"/>
               <a:t>Second level</a:t>
             </a:r>
           </a:p>
           <a:p>
             <a:pPr lvl="2"/>
             <a:r>
-              <a:rPr lang="en-US" smtClean="0"/>
+              <a:rPr lang="en-US"/>
               <a:t>Third level</a:t>
             </a:r>
           </a:p>
           <a:p>
             <a:pPr lvl="3"/>
             <a:r>
-              <a:rPr lang="en-US" smtClean="0"/>
+              <a:rPr lang="en-US"/>
               <a:t>Fourth level</a:t>
             </a:r>
           </a:p>
           <a:p>
             <a:pPr lvl="4"/>
             <a:r>
-              <a:rPr lang="en-US" smtClean="0"/>
+              <a:rPr lang="en-US"/>
               <a:t>Fifth level</a:t>
             </a:r>
-            <a:endParaRPr lang="en-US"/>
           </a:p>
         </p:txBody>
       </p:sp>
@@ -474,7 +470,7 @@
           <a:p>
             <a:fld id="{7AA5F80A-8D10-B84B-AB6B-F2BDA657F2EB}" type="datetimeFigureOut">
               <a:rPr lang="en-US" smtClean="0"/>
-              <a:t>6/25/18</a:t>
+              <a:t>12/21/18</a:t>
             </a:fld>
             <a:endParaRPr lang="en-US"/>
           </a:p>
@@ -573,10 +569,9 @@
           <a:lstStyle/>
           <a:p>
             <a:r>
-              <a:rPr lang="en-US" smtClean="0"/>
+              <a:rPr lang="en-US"/>
               <a:t>Click to edit Master title style</a:t>
             </a:r>
-            <a:endParaRPr lang="en-US"/>
           </a:p>
         </p:txBody>
       </p:sp>
@@ -602,38 +597,37 @@
           <a:p>
             <a:pPr lvl="0"/>
             <a:r>
-              <a:rPr lang="en-US" smtClean="0"/>
+              <a:rPr lang="en-US"/>
               <a:t>Click to edit Master text styles</a:t>
             </a:r>
           </a:p>
           <a:p>
             <a:pPr lvl="1"/>
             <a:r>
-              <a:rPr lang="en-US" smtClean="0"/>
+              <a:rPr lang="en-US"/>
               <a:t>Second level</a:t>
             </a:r>
           </a:p>
           <a:p>
             <a:pPr lvl="2"/>
             <a:r>
-              <a:rPr lang="en-US" smtClean="0"/>
+              <a:rPr lang="en-US"/>
               <a:t>Third level</a:t>
             </a:r>
           </a:p>
           <a:p>
             <a:pPr lvl="3"/>
             <a:r>
-              <a:rPr lang="en-US" smtClean="0"/>
+              <a:rPr lang="en-US"/>
               <a:t>Fourth level</a:t>
             </a:r>
           </a:p>
           <a:p>
             <a:pPr lvl="4"/>
             <a:r>
-              <a:rPr lang="en-US" smtClean="0"/>
+              <a:rPr lang="en-US"/>
               <a:t>Fifth level</a:t>
             </a:r>
-            <a:endParaRPr lang="en-US"/>
           </a:p>
         </p:txBody>
       </p:sp>
@@ -654,7 +648,7 @@
           <a:p>
             <a:fld id="{7AA5F80A-8D10-B84B-AB6B-F2BDA657F2EB}" type="datetimeFigureOut">
               <a:rPr lang="en-US" smtClean="0"/>
-              <a:t>6/25/18</a:t>
+              <a:t>12/21/18</a:t>
             </a:fld>
             <a:endParaRPr lang="en-US"/>
           </a:p>
@@ -748,10 +742,9 @@
           <a:lstStyle/>
           <a:p>
             <a:r>
-              <a:rPr lang="en-US" smtClean="0"/>
+              <a:rPr lang="en-US"/>
               <a:t>Click to edit Master title style</a:t>
             </a:r>
-            <a:endParaRPr lang="en-US"/>
           </a:p>
         </p:txBody>
       </p:sp>
@@ -772,38 +765,37 @@
           <a:p>
             <a:pPr lvl="0"/>
             <a:r>
-              <a:rPr lang="en-US" smtClean="0"/>
+              <a:rPr lang="en-US"/>
               <a:t>Click to edit Master text styles</a:t>
             </a:r>
           </a:p>
           <a:p>
             <a:pPr lvl="1"/>
             <a:r>
-              <a:rPr lang="en-US" smtClean="0"/>
+              <a:rPr lang="en-US"/>
               <a:t>Second level</a:t>
             </a:r>
           </a:p>
           <a:p>
             <a:pPr lvl="2"/>
             <a:r>
-              <a:rPr lang="en-US" smtClean="0"/>
+              <a:rPr lang="en-US"/>
               <a:t>Third level</a:t>
             </a:r>
           </a:p>
           <a:p>
             <a:pPr lvl="3"/>
             <a:r>
-              <a:rPr lang="en-US" smtClean="0"/>
+              <a:rPr lang="en-US"/>
               <a:t>Fourth level</a:t>
             </a:r>
           </a:p>
           <a:p>
             <a:pPr lvl="4"/>
             <a:r>
-              <a:rPr lang="en-US" smtClean="0"/>
+              <a:rPr lang="en-US"/>
               <a:t>Fifth level</a:t>
             </a:r>
-            <a:endParaRPr lang="en-US"/>
           </a:p>
         </p:txBody>
       </p:sp>
@@ -824,7 +816,7 @@
           <a:p>
             <a:fld id="{7AA5F80A-8D10-B84B-AB6B-F2BDA657F2EB}" type="datetimeFigureOut">
               <a:rPr lang="en-US" smtClean="0"/>
-              <a:t>6/25/18</a:t>
+              <a:t>12/21/18</a:t>
             </a:fld>
             <a:endParaRPr lang="en-US"/>
           </a:p>
@@ -927,10 +919,9 @@
           </a:lstStyle>
           <a:p>
             <a:r>
-              <a:rPr lang="en-US" smtClean="0"/>
+              <a:rPr lang="en-US"/>
               <a:t>Click to edit Master title style</a:t>
             </a:r>
-            <a:endParaRPr lang="en-US"/>
           </a:p>
         </p:txBody>
       </p:sp>
@@ -1047,7 +1038,7 @@
           <a:p>
             <a:pPr lvl="0"/>
             <a:r>
-              <a:rPr lang="en-US" smtClean="0"/>
+              <a:rPr lang="en-US"/>
               <a:t>Click to edit Master text styles</a:t>
             </a:r>
           </a:p>
@@ -1070,7 +1061,7 @@
           <a:p>
             <a:fld id="{7AA5F80A-8D10-B84B-AB6B-F2BDA657F2EB}" type="datetimeFigureOut">
               <a:rPr lang="en-US" smtClean="0"/>
-              <a:t>6/25/18</a:t>
+              <a:t>12/21/18</a:t>
             </a:fld>
             <a:endParaRPr lang="en-US"/>
           </a:p>
@@ -1164,10 +1155,9 @@
           <a:lstStyle/>
           <a:p>
             <a:r>
-              <a:rPr lang="en-US" smtClean="0"/>
+              <a:rPr lang="en-US"/>
               <a:t>Click to edit Master title style</a:t>
             </a:r>
-            <a:endParaRPr lang="en-US"/>
           </a:p>
         </p:txBody>
       </p:sp>
@@ -1221,38 +1211,37 @@
           <a:p>
             <a:pPr lvl="0"/>
             <a:r>
-              <a:rPr lang="en-US" smtClean="0"/>
+              <a:rPr lang="en-US"/>
               <a:t>Click to edit Master text styles</a:t>
             </a:r>
           </a:p>
           <a:p>
             <a:pPr lvl="1"/>
             <a:r>
-              <a:rPr lang="en-US" smtClean="0"/>
+              <a:rPr lang="en-US"/>
               <a:t>Second level</a:t>
             </a:r>
           </a:p>
           <a:p>
             <a:pPr lvl="2"/>
             <a:r>
-              <a:rPr lang="en-US" smtClean="0"/>
+              <a:rPr lang="en-US"/>
               <a:t>Third level</a:t>
             </a:r>
           </a:p>
           <a:p>
             <a:pPr lvl="3"/>
             <a:r>
-              <a:rPr lang="en-US" smtClean="0"/>
+              <a:rPr lang="en-US"/>
               <a:t>Fourth level</a:t>
             </a:r>
           </a:p>
           <a:p>
             <a:pPr lvl="4"/>
             <a:r>
-              <a:rPr lang="en-US" smtClean="0"/>
+              <a:rPr lang="en-US"/>
               <a:t>Fifth level</a:t>
             </a:r>
-            <a:endParaRPr lang="en-US"/>
           </a:p>
         </p:txBody>
       </p:sp>
@@ -1306,38 +1295,37 @@
           <a:p>
             <a:pPr lvl="0"/>
             <a:r>
-              <a:rPr lang="en-US" smtClean="0"/>
+              <a:rPr lang="en-US"/>
               <a:t>Click to edit Master text styles</a:t>
             </a:r>
           </a:p>
           <a:p>
             <a:pPr lvl="1"/>
             <a:r>
-              <a:rPr lang="en-US" smtClean="0"/>
+              <a:rPr lang="en-US"/>
               <a:t>Second level</a:t>
             </a:r>
           </a:p>
           <a:p>
             <a:pPr lvl="2"/>
             <a:r>
-              <a:rPr lang="en-US" smtClean="0"/>
+              <a:rPr lang="en-US"/>
               <a:t>Third level</a:t>
             </a:r>
           </a:p>
           <a:p>
             <a:pPr lvl="3"/>
             <a:r>
-              <a:rPr lang="en-US" smtClean="0"/>
+              <a:rPr lang="en-US"/>
               <a:t>Fourth level</a:t>
             </a:r>
           </a:p>
           <a:p>
             <a:pPr lvl="4"/>
             <a:r>
-              <a:rPr lang="en-US" smtClean="0"/>
+              <a:rPr lang="en-US"/>
               <a:t>Fifth level</a:t>
             </a:r>
-            <a:endParaRPr lang="en-US"/>
           </a:p>
         </p:txBody>
       </p:sp>
@@ -1358,7 +1346,7 @@
           <a:p>
             <a:fld id="{7AA5F80A-8D10-B84B-AB6B-F2BDA657F2EB}" type="datetimeFigureOut">
               <a:rPr lang="en-US" smtClean="0"/>
-              <a:t>6/25/18</a:t>
+              <a:t>12/21/18</a:t>
             </a:fld>
             <a:endParaRPr lang="en-US"/>
           </a:p>
@@ -1456,10 +1444,9 @@
           </a:lstStyle>
           <a:p>
             <a:r>
-              <a:rPr lang="en-US" smtClean="0"/>
+              <a:rPr lang="en-US"/>
               <a:t>Click to edit Master title style</a:t>
             </a:r>
-            <a:endParaRPr lang="en-US"/>
           </a:p>
         </p:txBody>
       </p:sp>
@@ -1522,7 +1509,7 @@
           <a:p>
             <a:pPr lvl="0"/>
             <a:r>
-              <a:rPr lang="en-US" smtClean="0"/>
+              <a:rPr lang="en-US"/>
               <a:t>Click to edit Master text styles</a:t>
             </a:r>
           </a:p>
@@ -1578,38 +1565,37 @@
           <a:p>
             <a:pPr lvl="0"/>
             <a:r>
-              <a:rPr lang="en-US" smtClean="0"/>
+              <a:rPr lang="en-US"/>
               <a:t>Click to edit Master text styles</a:t>
             </a:r>
           </a:p>
           <a:p>
             <a:pPr lvl="1"/>
             <a:r>
-              <a:rPr lang="en-US" smtClean="0"/>
+              <a:rPr lang="en-US"/>
               <a:t>Second level</a:t>
             </a:r>
           </a:p>
           <a:p>
             <a:pPr lvl="2"/>
             <a:r>
-              <a:rPr lang="en-US" smtClean="0"/>
+              <a:rPr lang="en-US"/>
               <a:t>Third level</a:t>
             </a:r>
           </a:p>
           <a:p>
             <a:pPr lvl="3"/>
             <a:r>
-              <a:rPr lang="en-US" smtClean="0"/>
+              <a:rPr lang="en-US"/>
               <a:t>Fourth level</a:t>
             </a:r>
           </a:p>
           <a:p>
             <a:pPr lvl="4"/>
             <a:r>
-              <a:rPr lang="en-US" smtClean="0"/>
+              <a:rPr lang="en-US"/>
               <a:t>Fifth level</a:t>
             </a:r>
-            <a:endParaRPr lang="en-US"/>
           </a:p>
         </p:txBody>
       </p:sp>
@@ -1672,7 +1658,7 @@
           <a:p>
             <a:pPr lvl="0"/>
             <a:r>
-              <a:rPr lang="en-US" smtClean="0"/>
+              <a:rPr lang="en-US"/>
               <a:t>Click to edit Master text styles</a:t>
             </a:r>
           </a:p>
@@ -1728,38 +1714,37 @@
           <a:p>
             <a:pPr lvl="0"/>
             <a:r>
-              <a:rPr lang="en-US" smtClean="0"/>
+              <a:rPr lang="en-US"/>
               <a:t>Click to edit Master text styles</a:t>
             </a:r>
           </a:p>
           <a:p>
             <a:pPr lvl="1"/>
             <a:r>
-              <a:rPr lang="en-US" smtClean="0"/>
+              <a:rPr lang="en-US"/>
               <a:t>Second level</a:t>
             </a:r>
           </a:p>
           <a:p>
             <a:pPr lvl="2"/>
             <a:r>
-              <a:rPr lang="en-US" smtClean="0"/>
+              <a:rPr lang="en-US"/>
               <a:t>Third level</a:t>
             </a:r>
           </a:p>
           <a:p>
             <a:pPr lvl="3"/>
             <a:r>
-              <a:rPr lang="en-US" smtClean="0"/>
+              <a:rPr lang="en-US"/>
               <a:t>Fourth level</a:t>
             </a:r>
           </a:p>
           <a:p>
             <a:pPr lvl="4"/>
             <a:r>
-              <a:rPr lang="en-US" smtClean="0"/>
+              <a:rPr lang="en-US"/>
               <a:t>Fifth level</a:t>
             </a:r>
-            <a:endParaRPr lang="en-US"/>
           </a:p>
         </p:txBody>
       </p:sp>
@@ -1780,7 +1765,7 @@
           <a:p>
             <a:fld id="{7AA5F80A-8D10-B84B-AB6B-F2BDA657F2EB}" type="datetimeFigureOut">
               <a:rPr lang="en-US" smtClean="0"/>
-              <a:t>6/25/18</a:t>
+              <a:t>12/21/18</a:t>
             </a:fld>
             <a:endParaRPr lang="en-US"/>
           </a:p>
@@ -1874,10 +1859,9 @@
           <a:lstStyle/>
           <a:p>
             <a:r>
-              <a:rPr lang="en-US" smtClean="0"/>
+              <a:rPr lang="en-US"/>
               <a:t>Click to edit Master title style</a:t>
             </a:r>
-            <a:endParaRPr lang="en-US"/>
           </a:p>
         </p:txBody>
       </p:sp>
@@ -1898,7 +1882,7 @@
           <a:p>
             <a:fld id="{7AA5F80A-8D10-B84B-AB6B-F2BDA657F2EB}" type="datetimeFigureOut">
               <a:rPr lang="en-US" smtClean="0"/>
-              <a:t>6/25/18</a:t>
+              <a:t>12/21/18</a:t>
             </a:fld>
             <a:endParaRPr lang="en-US"/>
           </a:p>
@@ -1993,7 +1977,7 @@
           <a:p>
             <a:fld id="{7AA5F80A-8D10-B84B-AB6B-F2BDA657F2EB}" type="datetimeFigureOut">
               <a:rPr lang="en-US" smtClean="0"/>
-              <a:t>6/25/18</a:t>
+              <a:t>12/21/18</a:t>
             </a:fld>
             <a:endParaRPr lang="en-US"/>
           </a:p>
@@ -2096,10 +2080,9 @@
           </a:lstStyle>
           <a:p>
             <a:r>
-              <a:rPr lang="en-US" smtClean="0"/>
+              <a:rPr lang="en-US"/>
               <a:t>Click to edit Master title style</a:t>
             </a:r>
-            <a:endParaRPr lang="en-US"/>
           </a:p>
         </p:txBody>
       </p:sp>
@@ -2153,38 +2136,37 @@
           <a:p>
             <a:pPr lvl="0"/>
             <a:r>
-              <a:rPr lang="en-US" smtClean="0"/>
+              <a:rPr lang="en-US"/>
               <a:t>Click to edit Master text styles</a:t>
             </a:r>
           </a:p>
           <a:p>
             <a:pPr lvl="1"/>
             <a:r>
-              <a:rPr lang="en-US" smtClean="0"/>
+              <a:rPr lang="en-US"/>
               <a:t>Second level</a:t>
             </a:r>
           </a:p>
           <a:p>
             <a:pPr lvl="2"/>
             <a:r>
-              <a:rPr lang="en-US" smtClean="0"/>
+              <a:rPr lang="en-US"/>
               <a:t>Third level</a:t>
             </a:r>
           </a:p>
           <a:p>
             <a:pPr lvl="3"/>
             <a:r>
-              <a:rPr lang="en-US" smtClean="0"/>
+              <a:rPr lang="en-US"/>
               <a:t>Fourth level</a:t>
             </a:r>
           </a:p>
           <a:p>
             <a:pPr lvl="4"/>
             <a:r>
-              <a:rPr lang="en-US" smtClean="0"/>
+              <a:rPr lang="en-US"/>
               <a:t>Fifth level</a:t>
             </a:r>
-            <a:endParaRPr lang="en-US"/>
           </a:p>
         </p:txBody>
       </p:sp>
@@ -2247,7 +2229,7 @@
           <a:p>
             <a:pPr lvl="0"/>
             <a:r>
-              <a:rPr lang="en-US" smtClean="0"/>
+              <a:rPr lang="en-US"/>
               <a:t>Click to edit Master text styles</a:t>
             </a:r>
           </a:p>
@@ -2270,7 +2252,7 @@
           <a:p>
             <a:fld id="{7AA5F80A-8D10-B84B-AB6B-F2BDA657F2EB}" type="datetimeFigureOut">
               <a:rPr lang="en-US" smtClean="0"/>
-              <a:t>6/25/18</a:t>
+              <a:t>12/21/18</a:t>
             </a:fld>
             <a:endParaRPr lang="en-US"/>
           </a:p>
@@ -2373,10 +2355,9 @@
           </a:lstStyle>
           <a:p>
             <a:r>
-              <a:rPr lang="en-US" smtClean="0"/>
+              <a:rPr lang="en-US"/>
               <a:t>Click to edit Master title style</a:t>
             </a:r>
-            <a:endParaRPr lang="en-US"/>
           </a:p>
         </p:txBody>
       </p:sp>
@@ -2500,7 +2481,7 @@
           <a:p>
             <a:pPr lvl="0"/>
             <a:r>
-              <a:rPr lang="en-US" smtClean="0"/>
+              <a:rPr lang="en-US"/>
               <a:t>Click to edit Master text styles</a:t>
             </a:r>
           </a:p>
@@ -2523,7 +2504,7 @@
           <a:p>
             <a:fld id="{7AA5F80A-8D10-B84B-AB6B-F2BDA657F2EB}" type="datetimeFigureOut">
               <a:rPr lang="en-US" smtClean="0"/>
-              <a:t>6/25/18</a:t>
+              <a:t>12/21/18</a:t>
             </a:fld>
             <a:endParaRPr lang="en-US"/>
           </a:p>
@@ -2632,10 +2613,9 @@
           <a:lstStyle/>
           <a:p>
             <a:r>
-              <a:rPr lang="en-US" smtClean="0"/>
+              <a:rPr lang="en-US"/>
               <a:t>Click to edit Master title style</a:t>
             </a:r>
-            <a:endParaRPr lang="en-US"/>
           </a:p>
         </p:txBody>
       </p:sp>
@@ -2666,38 +2646,37 @@
           <a:p>
             <a:pPr lvl="0"/>
             <a:r>
-              <a:rPr lang="en-US" smtClean="0"/>
+              <a:rPr lang="en-US"/>
               <a:t>Click to edit Master text styles</a:t>
             </a:r>
           </a:p>
           <a:p>
             <a:pPr lvl="1"/>
             <a:r>
-              <a:rPr lang="en-US" smtClean="0"/>
+              <a:rPr lang="en-US"/>
               <a:t>Second level</a:t>
             </a:r>
           </a:p>
           <a:p>
             <a:pPr lvl="2"/>
             <a:r>
-              <a:rPr lang="en-US" smtClean="0"/>
+              <a:rPr lang="en-US"/>
               <a:t>Third level</a:t>
             </a:r>
           </a:p>
           <a:p>
             <a:pPr lvl="3"/>
             <a:r>
-              <a:rPr lang="en-US" smtClean="0"/>
+              <a:rPr lang="en-US"/>
               <a:t>Fourth level</a:t>
             </a:r>
           </a:p>
           <a:p>
             <a:pPr lvl="4"/>
             <a:r>
-              <a:rPr lang="en-US" smtClean="0"/>
+              <a:rPr lang="en-US"/>
               <a:t>Fifth level</a:t>
             </a:r>
-            <a:endParaRPr lang="en-US"/>
           </a:p>
         </p:txBody>
       </p:sp>
@@ -2736,7 +2715,7 @@
           <a:p>
             <a:fld id="{7AA5F80A-8D10-B84B-AB6B-F2BDA657F2EB}" type="datetimeFigureOut">
               <a:rPr lang="en-US" smtClean="0"/>
-              <a:t>6/25/18</a:t>
+              <a:t>12/21/18</a:t>
             </a:fld>
             <a:endParaRPr lang="en-US"/>
           </a:p>
@@ -3120,7 +3099,7 @@
           <p:nvPr>
             <p:extLst>
               <p:ext uri="{D42A27DB-BD31-4B8C-83A1-F6EECF244321}">
-                <p14:modId xmlns:p14="http://schemas.microsoft.com/office/powerpoint/2010/main" val="1017664190"/>
+                <p14:modId xmlns:p14="http://schemas.microsoft.com/office/powerpoint/2010/main" val="2202668356"/>
               </p:ext>
             </p:extLst>
           </p:nvPr>
@@ -3136,20 +3115,104 @@
                 <a:tableStyleId>{5C22544A-7EE6-4342-B048-85BDC9FD1C3A}</a:tableStyleId>
               </a:tblPr>
               <a:tblGrid>
-                <a:gridCol w="313509"/>
-                <a:gridCol w="313509"/>
-                <a:gridCol w="313509"/>
-                <a:gridCol w="313509"/>
-                <a:gridCol w="313509"/>
-                <a:gridCol w="313509"/>
-                <a:gridCol w="313509"/>
-                <a:gridCol w="313509"/>
-                <a:gridCol w="313509"/>
-                <a:gridCol w="313509"/>
-                <a:gridCol w="313509"/>
-                <a:gridCol w="313509"/>
-                <a:gridCol w="313509"/>
-                <a:gridCol w="313509"/>
+                <a:gridCol w="313509">
+                  <a:extLst>
+                    <a:ext uri="{9D8B030D-6E8A-4147-A177-3AD203B41FA5}">
+                      <a16:colId xmlns:a16="http://schemas.microsoft.com/office/drawing/2014/main" val="20000"/>
+                    </a:ext>
+                  </a:extLst>
+                </a:gridCol>
+                <a:gridCol w="313509">
+                  <a:extLst>
+                    <a:ext uri="{9D8B030D-6E8A-4147-A177-3AD203B41FA5}">
+                      <a16:colId xmlns:a16="http://schemas.microsoft.com/office/drawing/2014/main" val="20001"/>
+                    </a:ext>
+                  </a:extLst>
+                </a:gridCol>
+                <a:gridCol w="313509">
+                  <a:extLst>
+                    <a:ext uri="{9D8B030D-6E8A-4147-A177-3AD203B41FA5}">
+                      <a16:colId xmlns:a16="http://schemas.microsoft.com/office/drawing/2014/main" val="20002"/>
+                    </a:ext>
+                  </a:extLst>
+                </a:gridCol>
+                <a:gridCol w="313509">
+                  <a:extLst>
+                    <a:ext uri="{9D8B030D-6E8A-4147-A177-3AD203B41FA5}">
+                      <a16:colId xmlns:a16="http://schemas.microsoft.com/office/drawing/2014/main" val="20003"/>
+                    </a:ext>
+                  </a:extLst>
+                </a:gridCol>
+                <a:gridCol w="313509">
+                  <a:extLst>
+                    <a:ext uri="{9D8B030D-6E8A-4147-A177-3AD203B41FA5}">
+                      <a16:colId xmlns:a16="http://schemas.microsoft.com/office/drawing/2014/main" val="20004"/>
+                    </a:ext>
+                  </a:extLst>
+                </a:gridCol>
+                <a:gridCol w="313509">
+                  <a:extLst>
+                    <a:ext uri="{9D8B030D-6E8A-4147-A177-3AD203B41FA5}">
+                      <a16:colId xmlns:a16="http://schemas.microsoft.com/office/drawing/2014/main" val="20005"/>
+                    </a:ext>
+                  </a:extLst>
+                </a:gridCol>
+                <a:gridCol w="313509">
+                  <a:extLst>
+                    <a:ext uri="{9D8B030D-6E8A-4147-A177-3AD203B41FA5}">
+                      <a16:colId xmlns:a16="http://schemas.microsoft.com/office/drawing/2014/main" val="20006"/>
+                    </a:ext>
+                  </a:extLst>
+                </a:gridCol>
+                <a:gridCol w="313509">
+                  <a:extLst>
+                    <a:ext uri="{9D8B030D-6E8A-4147-A177-3AD203B41FA5}">
+                      <a16:colId xmlns:a16="http://schemas.microsoft.com/office/drawing/2014/main" val="20007"/>
+                    </a:ext>
+                  </a:extLst>
+                </a:gridCol>
+                <a:gridCol w="313509">
+                  <a:extLst>
+                    <a:ext uri="{9D8B030D-6E8A-4147-A177-3AD203B41FA5}">
+                      <a16:colId xmlns:a16="http://schemas.microsoft.com/office/drawing/2014/main" val="20008"/>
+                    </a:ext>
+                  </a:extLst>
+                </a:gridCol>
+                <a:gridCol w="313509">
+                  <a:extLst>
+                    <a:ext uri="{9D8B030D-6E8A-4147-A177-3AD203B41FA5}">
+                      <a16:colId xmlns:a16="http://schemas.microsoft.com/office/drawing/2014/main" val="20009"/>
+                    </a:ext>
+                  </a:extLst>
+                </a:gridCol>
+                <a:gridCol w="313509">
+                  <a:extLst>
+                    <a:ext uri="{9D8B030D-6E8A-4147-A177-3AD203B41FA5}">
+                      <a16:colId xmlns:a16="http://schemas.microsoft.com/office/drawing/2014/main" val="20010"/>
+                    </a:ext>
+                  </a:extLst>
+                </a:gridCol>
+                <a:gridCol w="313509">
+                  <a:extLst>
+                    <a:ext uri="{9D8B030D-6E8A-4147-A177-3AD203B41FA5}">
+                      <a16:colId xmlns:a16="http://schemas.microsoft.com/office/drawing/2014/main" val="20011"/>
+                    </a:ext>
+                  </a:extLst>
+                </a:gridCol>
+                <a:gridCol w="313509">
+                  <a:extLst>
+                    <a:ext uri="{9D8B030D-6E8A-4147-A177-3AD203B41FA5}">
+                      <a16:colId xmlns:a16="http://schemas.microsoft.com/office/drawing/2014/main" val="20012"/>
+                    </a:ext>
+                  </a:extLst>
+                </a:gridCol>
+                <a:gridCol w="313509">
+                  <a:extLst>
+                    <a:ext uri="{9D8B030D-6E8A-4147-A177-3AD203B41FA5}">
+                      <a16:colId xmlns:a16="http://schemas.microsoft.com/office/drawing/2014/main" val="20013"/>
+                    </a:ext>
+                  </a:extLst>
+                </a:gridCol>
               </a:tblGrid>
               <a:tr h="280550">
                 <a:tc>
@@ -3163,7 +3226,7 @@
                         </a:lnSpc>
                       </a:pPr>
                       <a:r>
-                        <a:rPr lang="en-US" sz="1800" b="0" kern="1200" dirty="0" smtClean="0">
+                        <a:rPr lang="en-US" sz="1800" b="0" kern="1200" dirty="0">
                           <a:solidFill>
                             <a:schemeClr val="tx1"/>
                           </a:solidFill>
@@ -3171,16 +3234,8 @@
                           <a:ea typeface="+mn-ea"/>
                           <a:cs typeface="+mn-cs"/>
                         </a:rPr>
-                        <a:t>1</a:t>
+                        <a:t>2</a:t>
                       </a:r>
-                      <a:endParaRPr lang="en-US" sz="1800" b="0" kern="1200" dirty="0">
-                        <a:solidFill>
-                          <a:schemeClr val="tx1"/>
-                        </a:solidFill>
-                        <a:latin typeface="+mn-lt"/>
-                        <a:ea typeface="+mn-ea"/>
-                        <a:cs typeface="+mn-cs"/>
-                      </a:endParaRPr>
                     </a:p>
                   </a:txBody>
                   <a:tcPr>
@@ -3238,7 +3293,7 @@
                         </a:lnSpc>
                       </a:pPr>
                       <a:r>
-                        <a:rPr lang="en-US" sz="1800" b="0" kern="1200" dirty="0" smtClean="0">
+                        <a:rPr lang="en-US" sz="1800" b="0" kern="1200" dirty="0">
                           <a:solidFill>
                             <a:schemeClr val="tx1"/>
                           </a:solidFill>
@@ -3248,14 +3303,6 @@
                         </a:rPr>
                         <a:t>6</a:t>
                       </a:r>
-                      <a:endParaRPr lang="en-US" sz="1800" b="0" kern="1200" dirty="0">
-                        <a:solidFill>
-                          <a:schemeClr val="tx1"/>
-                        </a:solidFill>
-                        <a:latin typeface="+mn-lt"/>
-                        <a:ea typeface="+mn-ea"/>
-                        <a:cs typeface="+mn-cs"/>
-                      </a:endParaRPr>
                     </a:p>
                   </a:txBody>
                   <a:tcPr>
@@ -3313,7 +3360,7 @@
                         </a:lnSpc>
                       </a:pPr>
                       <a:r>
-                        <a:rPr lang="en-US" sz="1800" b="0" kern="1200" dirty="0" smtClean="0">
+                        <a:rPr lang="en-US" sz="1800" b="0" kern="1200" dirty="0">
                           <a:solidFill>
                             <a:schemeClr val="tx1"/>
                           </a:solidFill>
@@ -3323,14 +3370,6 @@
                         </a:rPr>
                         <a:t>2</a:t>
                       </a:r>
-                      <a:endParaRPr lang="en-US" sz="1800" b="0" kern="1200" dirty="0">
-                        <a:solidFill>
-                          <a:schemeClr val="tx1"/>
-                        </a:solidFill>
-                        <a:latin typeface="+mn-lt"/>
-                        <a:ea typeface="+mn-ea"/>
-                        <a:cs typeface="+mn-cs"/>
-                      </a:endParaRPr>
                     </a:p>
                   </a:txBody>
                   <a:tcPr>
@@ -3388,7 +3427,7 @@
                         </a:lnSpc>
                       </a:pPr>
                       <a:r>
-                        <a:rPr lang="en-US" sz="1800" b="0" kern="1200" dirty="0" smtClean="0">
+                        <a:rPr lang="en-US" sz="1800" b="0" kern="1200" dirty="0">
                           <a:solidFill>
                             <a:schemeClr val="tx1"/>
                           </a:solidFill>
@@ -3398,14 +3437,6 @@
                         </a:rPr>
                         <a:t>4</a:t>
                       </a:r>
-                      <a:endParaRPr lang="en-US" sz="1800" b="0" kern="1200" dirty="0">
-                        <a:solidFill>
-                          <a:schemeClr val="tx1"/>
-                        </a:solidFill>
-                        <a:latin typeface="+mn-lt"/>
-                        <a:ea typeface="+mn-ea"/>
-                        <a:cs typeface="+mn-cs"/>
-                      </a:endParaRPr>
                     </a:p>
                   </a:txBody>
                   <a:tcPr>
@@ -3463,7 +3494,7 @@
                         </a:lnSpc>
                       </a:pPr>
                       <a:r>
-                        <a:rPr lang="en-US" sz="1800" b="0" kern="1200" dirty="0" smtClean="0">
+                        <a:rPr lang="en-US" sz="1800" b="0" kern="1200" dirty="0">
                           <a:solidFill>
                             <a:schemeClr val="tx1"/>
                           </a:solidFill>
@@ -3473,14 +3504,6 @@
                         </a:rPr>
                         <a:t>2</a:t>
                       </a:r>
-                      <a:endParaRPr lang="en-US" sz="1800" b="0" kern="1200" dirty="0">
-                        <a:solidFill>
-                          <a:schemeClr val="tx1"/>
-                        </a:solidFill>
-                        <a:latin typeface="+mn-lt"/>
-                        <a:ea typeface="+mn-ea"/>
-                        <a:cs typeface="+mn-cs"/>
-                      </a:endParaRPr>
                     </a:p>
                   </a:txBody>
                   <a:tcPr>
@@ -3538,7 +3561,7 @@
                         </a:lnSpc>
                       </a:pPr>
                       <a:r>
-                        <a:rPr lang="en-US" sz="1800" b="0" kern="1200" dirty="0" smtClean="0">
+                        <a:rPr lang="en-US" sz="1800" b="0" kern="1200" dirty="0">
                           <a:solidFill>
                             <a:schemeClr val="tx1"/>
                           </a:solidFill>
@@ -3548,14 +3571,6 @@
                         </a:rPr>
                         <a:t>4</a:t>
                       </a:r>
-                      <a:endParaRPr lang="en-US" sz="1800" b="0" kern="1200" dirty="0">
-                        <a:solidFill>
-                          <a:schemeClr val="tx1"/>
-                        </a:solidFill>
-                        <a:latin typeface="+mn-lt"/>
-                        <a:ea typeface="+mn-ea"/>
-                        <a:cs typeface="+mn-cs"/>
-                      </a:endParaRPr>
                     </a:p>
                   </a:txBody>
                   <a:tcPr>
@@ -3613,7 +3628,7 @@
                         </a:lnSpc>
                       </a:pPr>
                       <a:r>
-                        <a:rPr lang="en-US" sz="1800" b="0" kern="1200" dirty="0" smtClean="0">
+                        <a:rPr lang="en-US" sz="1800" b="0" kern="1200" dirty="0">
                           <a:solidFill>
                             <a:schemeClr val="tx1"/>
                           </a:solidFill>
@@ -3623,14 +3638,6 @@
                         </a:rPr>
                         <a:t>3</a:t>
                       </a:r>
-                      <a:endParaRPr lang="en-US" sz="1800" b="0" kern="1200" dirty="0">
-                        <a:solidFill>
-                          <a:schemeClr val="tx1"/>
-                        </a:solidFill>
-                        <a:latin typeface="+mn-lt"/>
-                        <a:ea typeface="+mn-ea"/>
-                        <a:cs typeface="+mn-cs"/>
-                      </a:endParaRPr>
                     </a:p>
                   </a:txBody>
                   <a:tcPr>
@@ -3688,7 +3695,7 @@
                         </a:lnSpc>
                       </a:pPr>
                       <a:r>
-                        <a:rPr lang="en-US" sz="1800" b="0" kern="1200" dirty="0" smtClean="0">
+                        <a:rPr lang="en-US" sz="1800" b="0" kern="1200" dirty="0">
                           <a:solidFill>
                             <a:schemeClr val="tx1"/>
                           </a:solidFill>
@@ -3698,14 +3705,6 @@
                         </a:rPr>
                         <a:t>1</a:t>
                       </a:r>
-                      <a:endParaRPr lang="en-US" sz="1800" b="0" kern="1200" dirty="0">
-                        <a:solidFill>
-                          <a:schemeClr val="tx1"/>
-                        </a:solidFill>
-                        <a:latin typeface="+mn-lt"/>
-                        <a:ea typeface="+mn-ea"/>
-                        <a:cs typeface="+mn-cs"/>
-                      </a:endParaRPr>
                     </a:p>
                   </a:txBody>
                   <a:tcPr>
@@ -3763,7 +3762,7 @@
                         </a:lnSpc>
                       </a:pPr>
                       <a:r>
-                        <a:rPr lang="en-US" sz="1800" b="0" kern="1200" dirty="0" smtClean="0">
+                        <a:rPr lang="en-US" sz="1800" b="0" kern="1200" dirty="0">
                           <a:solidFill>
                             <a:schemeClr val="tx1"/>
                           </a:solidFill>
@@ -3773,14 +3772,6 @@
                         </a:rPr>
                         <a:t>6</a:t>
                       </a:r>
-                      <a:endParaRPr lang="en-US" sz="1800" b="0" kern="1200" dirty="0">
-                        <a:solidFill>
-                          <a:schemeClr val="tx1"/>
-                        </a:solidFill>
-                        <a:latin typeface="+mn-lt"/>
-                        <a:ea typeface="+mn-ea"/>
-                        <a:cs typeface="+mn-cs"/>
-                      </a:endParaRPr>
                     </a:p>
                   </a:txBody>
                   <a:tcPr>
@@ -3838,7 +3829,7 @@
                         </a:lnSpc>
                       </a:pPr>
                       <a:r>
-                        <a:rPr lang="en-US" sz="1800" b="0" kern="1200" dirty="0" smtClean="0">
+                        <a:rPr lang="en-US" sz="1800" b="0" kern="1200" dirty="0">
                           <a:solidFill>
                             <a:schemeClr val="tx1"/>
                           </a:solidFill>
@@ -3848,14 +3839,6 @@
                         </a:rPr>
                         <a:t>1</a:t>
                       </a:r>
-                      <a:endParaRPr lang="en-US" sz="1800" b="0" kern="1200" dirty="0">
-                        <a:solidFill>
-                          <a:schemeClr val="tx1"/>
-                        </a:solidFill>
-                        <a:latin typeface="+mn-lt"/>
-                        <a:ea typeface="+mn-ea"/>
-                        <a:cs typeface="+mn-cs"/>
-                      </a:endParaRPr>
                     </a:p>
                   </a:txBody>
                   <a:tcPr>
@@ -3913,7 +3896,7 @@
                         </a:lnSpc>
                       </a:pPr>
                       <a:r>
-                        <a:rPr lang="en-US" sz="1800" b="0" kern="1200" dirty="0" smtClean="0">
+                        <a:rPr lang="en-US" sz="1800" b="0" kern="1200" dirty="0">
                           <a:solidFill>
                             <a:schemeClr val="tx1"/>
                           </a:solidFill>
@@ -3923,14 +3906,6 @@
                         </a:rPr>
                         <a:t>2</a:t>
                       </a:r>
-                      <a:endParaRPr lang="en-US" sz="1800" b="0" kern="1200" dirty="0">
-                        <a:solidFill>
-                          <a:schemeClr val="tx1"/>
-                        </a:solidFill>
-                        <a:latin typeface="+mn-lt"/>
-                        <a:ea typeface="+mn-ea"/>
-                        <a:cs typeface="+mn-cs"/>
-                      </a:endParaRPr>
                     </a:p>
                   </a:txBody>
                   <a:tcPr>
@@ -3988,7 +3963,7 @@
                         </a:lnSpc>
                       </a:pPr>
                       <a:r>
-                        <a:rPr lang="en-US" sz="1800" b="0" kern="1200" dirty="0" smtClean="0">
+                        <a:rPr lang="en-US" sz="1800" b="0" kern="1200" dirty="0">
                           <a:solidFill>
                             <a:schemeClr val="tx1"/>
                           </a:solidFill>
@@ -3998,14 +3973,6 @@
                         </a:rPr>
                         <a:t>1</a:t>
                       </a:r>
-                      <a:endParaRPr lang="en-US" sz="1800" b="0" kern="1200" dirty="0">
-                        <a:solidFill>
-                          <a:schemeClr val="tx1"/>
-                        </a:solidFill>
-                        <a:latin typeface="+mn-lt"/>
-                        <a:ea typeface="+mn-ea"/>
-                        <a:cs typeface="+mn-cs"/>
-                      </a:endParaRPr>
                     </a:p>
                   </a:txBody>
                   <a:tcPr>
@@ -4063,7 +4030,7 @@
                         </a:lnSpc>
                       </a:pPr>
                       <a:r>
-                        <a:rPr lang="en-US" sz="1800" b="0" kern="1200" dirty="0" smtClean="0">
+                        <a:rPr lang="en-US" sz="1800" b="0" kern="1200" dirty="0">
                           <a:solidFill>
                             <a:schemeClr val="tx1"/>
                           </a:solidFill>
@@ -4073,14 +4040,6 @@
                         </a:rPr>
                         <a:t>3</a:t>
                       </a:r>
-                      <a:endParaRPr lang="en-US" sz="1800" b="0" kern="1200" dirty="0">
-                        <a:solidFill>
-                          <a:schemeClr val="tx1"/>
-                        </a:solidFill>
-                        <a:latin typeface="+mn-lt"/>
-                        <a:ea typeface="+mn-ea"/>
-                        <a:cs typeface="+mn-cs"/>
-                      </a:endParaRPr>
                     </a:p>
                   </a:txBody>
                   <a:tcPr>
@@ -4138,7 +4097,7 @@
                         </a:lnSpc>
                       </a:pPr>
                       <a:r>
-                        <a:rPr lang="en-US" sz="1800" b="0" kern="1200" dirty="0" smtClean="0">
+                        <a:rPr lang="en-US" sz="1800" b="0" kern="1200" dirty="0">
                           <a:solidFill>
                             <a:schemeClr val="tx1"/>
                           </a:solidFill>
@@ -4148,14 +4107,6 @@
                         </a:rPr>
                         <a:t>1</a:t>
                       </a:r>
-                      <a:endParaRPr lang="en-US" sz="1800" b="0" kern="1200" dirty="0">
-                        <a:solidFill>
-                          <a:schemeClr val="tx1"/>
-                        </a:solidFill>
-                        <a:latin typeface="+mn-lt"/>
-                        <a:ea typeface="+mn-ea"/>
-                        <a:cs typeface="+mn-cs"/>
-                      </a:endParaRPr>
                     </a:p>
                   </a:txBody>
                   <a:tcPr>
@@ -4202,6 +4153,11 @@
                     </a:solidFill>
                   </a:tcPr>
                 </a:tc>
+                <a:extLst>
+                  <a:ext uri="{0D108BD9-81ED-4DB2-BD59-A6C34878D82A}">
+                    <a16:rowId xmlns:a16="http://schemas.microsoft.com/office/drawing/2014/main" val="10000"/>
+                  </a:ext>
+                </a:extLst>
               </a:tr>
             </a:tbl>
           </a:graphicData>
@@ -4240,11 +4196,11 @@
           </a:lstStyle>
           <a:p>
             <a:r>
-              <a:rPr lang="de-DE" b="1" dirty="0" smtClean="0"/>
+              <a:rPr lang="de-DE" b="1" dirty="0"/>
               <a:t>(c) CSR </a:t>
             </a:r>
             <a:r>
-              <a:rPr lang="de-DE" b="1" dirty="0" err="1" smtClean="0"/>
+              <a:rPr lang="de-DE" b="1" dirty="0" err="1"/>
               <a:t>format</a:t>
             </a:r>
             <a:endParaRPr lang="en-US" b="1" dirty="0"/>
@@ -4297,18 +4253,13 @@
               </a:lnSpc>
             </a:pPr>
             <a:r>
-              <a:rPr lang="en-US" dirty="0" smtClean="0">
+              <a:rPr lang="en-US" dirty="0">
                 <a:solidFill>
                   <a:srgbClr val="000000"/>
                 </a:solidFill>
               </a:rPr>
               <a:t>b</a:t>
             </a:r>
-            <a:endParaRPr lang="en-US" dirty="0">
-              <a:solidFill>
-                <a:srgbClr val="000000"/>
-              </a:solidFill>
-            </a:endParaRPr>
           </a:p>
         </p:txBody>
       </p:sp>
@@ -4414,18 +4365,13 @@
               </a:lnSpc>
             </a:pPr>
             <a:r>
-              <a:rPr lang="en-US" dirty="0" smtClean="0">
+              <a:rPr lang="en-US" dirty="0">
                 <a:solidFill>
                   <a:srgbClr val="000000"/>
                 </a:solidFill>
               </a:rPr>
               <a:t>c</a:t>
             </a:r>
-            <a:endParaRPr lang="en-US" dirty="0">
-              <a:solidFill>
-                <a:srgbClr val="000000"/>
-              </a:solidFill>
-            </a:endParaRPr>
           </a:p>
         </p:txBody>
       </p:sp>
@@ -4475,18 +4421,13 @@
               </a:lnSpc>
             </a:pPr>
             <a:r>
-              <a:rPr lang="en-US" dirty="0" smtClean="0">
+              <a:rPr lang="en-US" dirty="0">
                 <a:solidFill>
                   <a:srgbClr val="000000"/>
                 </a:solidFill>
               </a:rPr>
               <a:t>a</a:t>
             </a:r>
-            <a:endParaRPr lang="en-US" dirty="0">
-              <a:solidFill>
-                <a:srgbClr val="000000"/>
-              </a:solidFill>
-            </a:endParaRPr>
           </a:p>
         </p:txBody>
       </p:sp>
@@ -4536,18 +4477,13 @@
               </a:lnSpc>
             </a:pPr>
             <a:r>
-              <a:rPr lang="en-US" dirty="0" smtClean="0">
+              <a:rPr lang="en-US" dirty="0">
                 <a:solidFill>
                   <a:srgbClr val="000000"/>
                 </a:solidFill>
               </a:rPr>
               <a:t>e</a:t>
             </a:r>
-            <a:endParaRPr lang="en-US" dirty="0">
-              <a:solidFill>
-                <a:srgbClr val="000000"/>
-              </a:solidFill>
-            </a:endParaRPr>
           </a:p>
         </p:txBody>
       </p:sp>
@@ -4870,10 +4806,10 @@
               </a:lnSpc>
             </a:pPr>
             <a:r>
-              <a:rPr lang="en-US" b="1" smtClean="0"/>
+              <a:rPr lang="en-US" b="1"/>
               <a:t>(a) Sample graph</a:t>
             </a:r>
-            <a:endParaRPr lang="en-US" b="1" dirty="0" smtClean="0"/>
+            <a:endParaRPr lang="en-US" b="1" dirty="0"/>
           </a:p>
         </p:txBody>
       </p:sp>
@@ -4906,16 +4842,8 @@
               </a:lnSpc>
             </a:pPr>
             <a:r>
-              <a:rPr lang="en-US" b="1" dirty="0" smtClean="0"/>
-              <a:t>(b) </a:t>
-            </a:r>
-            <a:r>
-              <a:rPr lang="en-US" b="1" dirty="0" smtClean="0"/>
-              <a:t>Edge (tuple) </a:t>
-            </a:r>
-            <a:r>
-              <a:rPr lang="en-US" b="1" dirty="0" smtClean="0"/>
-              <a:t>list format (Source, destination, weight)</a:t>
+              <a:rPr lang="en-US" b="1" dirty="0"/>
+              <a:t>(b) Edge (tuple) list format (Source, destination, weight)</a:t>
             </a:r>
           </a:p>
         </p:txBody>
@@ -4929,7 +4857,7 @@
           <p:nvPr>
             <p:extLst>
               <p:ext uri="{D42A27DB-BD31-4B8C-83A1-F6EECF244321}">
-                <p14:modId xmlns:p14="http://schemas.microsoft.com/office/powerpoint/2010/main" val="1375797462"/>
+                <p14:modId xmlns:p14="http://schemas.microsoft.com/office/powerpoint/2010/main" val="1454922609"/>
               </p:ext>
             </p:extLst>
           </p:nvPr>
@@ -4945,9 +4873,27 @@
                 <a:tableStyleId>{5C22544A-7EE6-4342-B048-85BDC9FD1C3A}</a:tableStyleId>
               </a:tblPr>
               <a:tblGrid>
-                <a:gridCol w="373842"/>
-                <a:gridCol w="373842"/>
-                <a:gridCol w="373842"/>
+                <a:gridCol w="373842">
+                  <a:extLst>
+                    <a:ext uri="{9D8B030D-6E8A-4147-A177-3AD203B41FA5}">
+                      <a16:colId xmlns:a16="http://schemas.microsoft.com/office/drawing/2014/main" val="20000"/>
+                    </a:ext>
+                  </a:extLst>
+                </a:gridCol>
+                <a:gridCol w="373842">
+                  <a:extLst>
+                    <a:ext uri="{9D8B030D-6E8A-4147-A177-3AD203B41FA5}">
+                      <a16:colId xmlns:a16="http://schemas.microsoft.com/office/drawing/2014/main" val="20001"/>
+                    </a:ext>
+                  </a:extLst>
+                </a:gridCol>
+                <a:gridCol w="373842">
+                  <a:extLst>
+                    <a:ext uri="{9D8B030D-6E8A-4147-A177-3AD203B41FA5}">
+                      <a16:colId xmlns:a16="http://schemas.microsoft.com/office/drawing/2014/main" val="20002"/>
+                    </a:ext>
+                  </a:extLst>
+                </a:gridCol>
               </a:tblGrid>
               <a:tr h="236916">
                 <a:tc>
@@ -4961,18 +4907,13 @@
                         </a:lnSpc>
                       </a:pPr>
                       <a:r>
-                        <a:rPr lang="en-US" b="0" dirty="0" smtClean="0">
+                        <a:rPr lang="en-US" b="0" dirty="0">
                           <a:solidFill>
                             <a:schemeClr val="tx1"/>
                           </a:solidFill>
                         </a:rPr>
                         <a:t>a</a:t>
                       </a:r>
-                      <a:endParaRPr lang="en-US" b="0" dirty="0">
-                        <a:solidFill>
-                          <a:schemeClr val="tx1"/>
-                        </a:solidFill>
-                      </a:endParaRPr>
                     </a:p>
                   </a:txBody>
                   <a:tcPr marL="0" marR="0" marT="0" marB="0">
@@ -5026,18 +4967,13 @@
                         </a:lnSpc>
                       </a:pPr>
                       <a:r>
-                        <a:rPr lang="en-US" b="0" dirty="0" smtClean="0">
+                        <a:rPr lang="en-US" b="0" dirty="0">
                           <a:solidFill>
                             <a:schemeClr val="tx1"/>
                           </a:solidFill>
                         </a:rPr>
                         <a:t>b</a:t>
                       </a:r>
-                      <a:endParaRPr lang="en-US" b="0" dirty="0">
-                        <a:solidFill>
-                          <a:schemeClr val="tx1"/>
-                        </a:solidFill>
-                      </a:endParaRPr>
                     </a:p>
                   </a:txBody>
                   <a:tcPr marL="0" marR="0" marT="0" marB="0">
@@ -5091,18 +5027,13 @@
                         </a:lnSpc>
                       </a:pPr>
                       <a:r>
-                        <a:rPr lang="en-US" b="0" dirty="0" smtClean="0">
+                        <a:rPr lang="en-US" b="0" dirty="0">
                           <a:solidFill>
                             <a:schemeClr val="tx1"/>
                           </a:solidFill>
                         </a:rPr>
-                        <a:t>1</a:t>
+                        <a:t>2</a:t>
                       </a:r>
-                      <a:endParaRPr lang="en-US" b="0" dirty="0">
-                        <a:solidFill>
-                          <a:schemeClr val="tx1"/>
-                        </a:solidFill>
-                      </a:endParaRPr>
                     </a:p>
                   </a:txBody>
                   <a:tcPr marL="0" marR="0" marT="0" marB="0">
@@ -5149,6 +5080,11 @@
                     </a:solidFill>
                   </a:tcPr>
                 </a:tc>
+                <a:extLst>
+                  <a:ext uri="{0D108BD9-81ED-4DB2-BD59-A6C34878D82A}">
+                    <a16:rowId xmlns:a16="http://schemas.microsoft.com/office/drawing/2014/main" val="10000"/>
+                  </a:ext>
+                </a:extLst>
               </a:tr>
               <a:tr h="236916">
                 <a:tc>
@@ -5162,18 +5098,13 @@
                         </a:lnSpc>
                       </a:pPr>
                       <a:r>
-                        <a:rPr lang="en-US" b="0" dirty="0" smtClean="0">
+                        <a:rPr lang="en-US" b="0" dirty="0">
                           <a:solidFill>
                             <a:schemeClr val="tx1"/>
                           </a:solidFill>
                         </a:rPr>
                         <a:t>a</a:t>
                       </a:r>
-                      <a:endParaRPr lang="en-US" b="0" dirty="0">
-                        <a:solidFill>
-                          <a:schemeClr val="tx1"/>
-                        </a:solidFill>
-                      </a:endParaRPr>
                     </a:p>
                   </a:txBody>
                   <a:tcPr marL="0" marR="0" marT="0" marB="0">
@@ -5227,18 +5158,13 @@
                         </a:lnSpc>
                       </a:pPr>
                       <a:r>
-                        <a:rPr lang="en-US" b="0" dirty="0" smtClean="0">
+                        <a:rPr lang="en-US" b="0" dirty="0">
                           <a:solidFill>
                             <a:schemeClr val="tx1"/>
                           </a:solidFill>
                         </a:rPr>
                         <a:t>d</a:t>
                       </a:r>
-                      <a:endParaRPr lang="en-US" b="0" dirty="0">
-                        <a:solidFill>
-                          <a:schemeClr val="tx1"/>
-                        </a:solidFill>
-                      </a:endParaRPr>
                     </a:p>
                   </a:txBody>
                   <a:tcPr marL="0" marR="0" marT="0" marB="0">
@@ -5292,18 +5218,13 @@
                         </a:lnSpc>
                       </a:pPr>
                       <a:r>
-                        <a:rPr lang="en-US" b="0" dirty="0" smtClean="0">
+                        <a:rPr lang="en-US" b="0" dirty="0">
                           <a:solidFill>
                             <a:schemeClr val="tx1"/>
                           </a:solidFill>
                         </a:rPr>
                         <a:t>6</a:t>
                       </a:r>
-                      <a:endParaRPr lang="en-US" b="0" dirty="0">
-                        <a:solidFill>
-                          <a:schemeClr val="tx1"/>
-                        </a:solidFill>
-                      </a:endParaRPr>
                     </a:p>
                   </a:txBody>
                   <a:tcPr marL="0" marR="0" marT="0" marB="0">
@@ -5350,6 +5271,11 @@
                     </a:solidFill>
                   </a:tcPr>
                 </a:tc>
+                <a:extLst>
+                  <a:ext uri="{0D108BD9-81ED-4DB2-BD59-A6C34878D82A}">
+                    <a16:rowId xmlns:a16="http://schemas.microsoft.com/office/drawing/2014/main" val="10001"/>
+                  </a:ext>
+                </a:extLst>
               </a:tr>
               <a:tr h="236916">
                 <a:tc>
@@ -5363,18 +5289,13 @@
                         </a:lnSpc>
                       </a:pPr>
                       <a:r>
-                        <a:rPr lang="en-US" b="0" dirty="0" smtClean="0">
+                        <a:rPr lang="en-US" b="0" dirty="0">
                           <a:solidFill>
                             <a:schemeClr val="tx1"/>
                           </a:solidFill>
                         </a:rPr>
                         <a:t>e</a:t>
                       </a:r>
-                      <a:endParaRPr lang="en-US" b="0" dirty="0">
-                        <a:solidFill>
-                          <a:schemeClr val="tx1"/>
-                        </a:solidFill>
-                      </a:endParaRPr>
                     </a:p>
                   </a:txBody>
                   <a:tcPr marL="0" marR="0" marT="0" marB="0">
@@ -5428,18 +5349,13 @@
                         </a:lnSpc>
                       </a:pPr>
                       <a:r>
-                        <a:rPr lang="en-US" b="0" dirty="0" smtClean="0">
+                        <a:rPr lang="en-US" b="0" dirty="0">
                           <a:solidFill>
                             <a:schemeClr val="tx1"/>
                           </a:solidFill>
                         </a:rPr>
                         <a:t>b</a:t>
                       </a:r>
-                      <a:endParaRPr lang="en-US" b="0" dirty="0">
-                        <a:solidFill>
-                          <a:schemeClr val="tx1"/>
-                        </a:solidFill>
-                      </a:endParaRPr>
                     </a:p>
                   </a:txBody>
                   <a:tcPr marL="0" marR="0" marT="0" marB="0">
@@ -5493,18 +5409,13 @@
                         </a:lnSpc>
                       </a:pPr>
                       <a:r>
-                        <a:rPr lang="en-US" b="0" dirty="0" smtClean="0">
+                        <a:rPr lang="en-US" b="0" dirty="0">
                           <a:solidFill>
                             <a:schemeClr val="tx1"/>
                           </a:solidFill>
                         </a:rPr>
                         <a:t>2</a:t>
                       </a:r>
-                      <a:endParaRPr lang="en-US" b="0" dirty="0">
-                        <a:solidFill>
-                          <a:schemeClr val="tx1"/>
-                        </a:solidFill>
-                      </a:endParaRPr>
                     </a:p>
                   </a:txBody>
                   <a:tcPr marL="0" marR="0" marT="0" marB="0">
@@ -5551,6 +5462,11 @@
                     </a:solidFill>
                   </a:tcPr>
                 </a:tc>
+                <a:extLst>
+                  <a:ext uri="{0D108BD9-81ED-4DB2-BD59-A6C34878D82A}">
+                    <a16:rowId xmlns:a16="http://schemas.microsoft.com/office/drawing/2014/main" val="10002"/>
+                  </a:ext>
+                </a:extLst>
               </a:tr>
               <a:tr h="236916">
                 <a:tc>
@@ -5564,18 +5480,13 @@
                         </a:lnSpc>
                       </a:pPr>
                       <a:r>
-                        <a:rPr lang="en-US" b="0" dirty="0" smtClean="0">
+                        <a:rPr lang="en-US" b="0" dirty="0">
                           <a:solidFill>
                             <a:schemeClr val="tx1"/>
                           </a:solidFill>
                         </a:rPr>
                         <a:t>b</a:t>
                       </a:r>
-                      <a:endParaRPr lang="en-US" b="0" dirty="0">
-                        <a:solidFill>
-                          <a:schemeClr val="tx1"/>
-                        </a:solidFill>
-                      </a:endParaRPr>
                     </a:p>
                   </a:txBody>
                   <a:tcPr marL="0" marR="0" marT="0" marB="0">
@@ -5629,18 +5540,13 @@
                         </a:lnSpc>
                       </a:pPr>
                       <a:r>
-                        <a:rPr lang="en-US" b="0" dirty="0" smtClean="0">
+                        <a:rPr lang="en-US" b="0" dirty="0">
                           <a:solidFill>
                             <a:schemeClr val="tx1"/>
                           </a:solidFill>
                         </a:rPr>
                         <a:t>c</a:t>
                       </a:r>
-                      <a:endParaRPr lang="en-US" b="0" dirty="0">
-                        <a:solidFill>
-                          <a:schemeClr val="tx1"/>
-                        </a:solidFill>
-                      </a:endParaRPr>
                     </a:p>
                   </a:txBody>
                   <a:tcPr marL="0" marR="0" marT="0" marB="0">
@@ -5694,18 +5600,13 @@
                         </a:lnSpc>
                       </a:pPr>
                       <a:r>
-                        <a:rPr lang="en-US" b="0" dirty="0" smtClean="0">
+                        <a:rPr lang="en-US" b="0" dirty="0">
                           <a:solidFill>
                             <a:schemeClr val="tx1"/>
                           </a:solidFill>
                         </a:rPr>
                         <a:t>4</a:t>
                       </a:r>
-                      <a:endParaRPr lang="en-US" b="0" dirty="0">
-                        <a:solidFill>
-                          <a:schemeClr val="tx1"/>
-                        </a:solidFill>
-                      </a:endParaRPr>
                     </a:p>
                   </a:txBody>
                   <a:tcPr marL="0" marR="0" marT="0" marB="0">
@@ -5752,6 +5653,11 @@
                     </a:solidFill>
                   </a:tcPr>
                 </a:tc>
+                <a:extLst>
+                  <a:ext uri="{0D108BD9-81ED-4DB2-BD59-A6C34878D82A}">
+                    <a16:rowId xmlns:a16="http://schemas.microsoft.com/office/drawing/2014/main" val="10003"/>
+                  </a:ext>
+                </a:extLst>
               </a:tr>
               <a:tr h="236916">
                 <a:tc>
@@ -5765,7 +5671,7 @@
                         </a:lnSpc>
                       </a:pPr>
                       <a:r>
-                        <a:rPr lang="en-US" sz="1800" b="0" kern="1200" dirty="0" smtClean="0">
+                        <a:rPr lang="en-US" sz="1800" b="0" kern="1200" dirty="0">
                           <a:solidFill>
                             <a:schemeClr val="tx1"/>
                           </a:solidFill>
@@ -5775,14 +5681,6 @@
                         </a:rPr>
                         <a:t>e</a:t>
                       </a:r>
-                      <a:endParaRPr lang="en-US" sz="1800" b="0" kern="1200" dirty="0">
-                        <a:solidFill>
-                          <a:schemeClr val="tx1"/>
-                        </a:solidFill>
-                        <a:latin typeface="+mn-lt"/>
-                        <a:ea typeface="+mn-ea"/>
-                        <a:cs typeface="+mn-cs"/>
-                      </a:endParaRPr>
                     </a:p>
                   </a:txBody>
                   <a:tcPr marL="0" marR="0" marT="0" marB="0">
@@ -5836,7 +5734,7 @@
                         </a:lnSpc>
                       </a:pPr>
                       <a:r>
-                        <a:rPr lang="en-US" sz="1800" b="0" kern="1200" dirty="0" smtClean="0">
+                        <a:rPr lang="en-US" sz="1800" b="0" kern="1200" dirty="0">
                           <a:solidFill>
                             <a:schemeClr val="tx1"/>
                           </a:solidFill>
@@ -5846,14 +5744,6 @@
                         </a:rPr>
                         <a:t>d</a:t>
                       </a:r>
-                      <a:endParaRPr lang="en-US" sz="1800" b="0" kern="1200" dirty="0">
-                        <a:solidFill>
-                          <a:schemeClr val="tx1"/>
-                        </a:solidFill>
-                        <a:latin typeface="+mn-lt"/>
-                        <a:ea typeface="+mn-ea"/>
-                        <a:cs typeface="+mn-cs"/>
-                      </a:endParaRPr>
                     </a:p>
                   </a:txBody>
                   <a:tcPr marL="0" marR="0" marT="0" marB="0">
@@ -5907,7 +5797,7 @@
                         </a:lnSpc>
                       </a:pPr>
                       <a:r>
-                        <a:rPr lang="en-US" sz="1800" b="0" kern="1200" dirty="0" smtClean="0">
+                        <a:rPr lang="en-US" sz="1800" b="0" kern="1200" dirty="0">
                           <a:solidFill>
                             <a:schemeClr val="tx1"/>
                           </a:solidFill>
@@ -5917,14 +5807,6 @@
                         </a:rPr>
                         <a:t>1</a:t>
                       </a:r>
-                      <a:endParaRPr lang="en-US" sz="1800" b="0" kern="1200" dirty="0">
-                        <a:solidFill>
-                          <a:schemeClr val="tx1"/>
-                        </a:solidFill>
-                        <a:latin typeface="+mn-lt"/>
-                        <a:ea typeface="+mn-ea"/>
-                        <a:cs typeface="+mn-cs"/>
-                      </a:endParaRPr>
                     </a:p>
                   </a:txBody>
                   <a:tcPr marL="0" marR="0" marT="0" marB="0">
@@ -5971,6 +5853,11 @@
                     </a:solidFill>
                   </a:tcPr>
                 </a:tc>
+                <a:extLst>
+                  <a:ext uri="{0D108BD9-81ED-4DB2-BD59-A6C34878D82A}">
+                    <a16:rowId xmlns:a16="http://schemas.microsoft.com/office/drawing/2014/main" val="10004"/>
+                  </a:ext>
+                </a:extLst>
               </a:tr>
               <a:tr h="236916">
                 <a:tc>
@@ -5984,18 +5871,13 @@
                         </a:lnSpc>
                       </a:pPr>
                       <a:r>
-                        <a:rPr lang="en-US" b="0" dirty="0" smtClean="0">
+                        <a:rPr lang="en-US" b="0" dirty="0">
                           <a:solidFill>
                             <a:schemeClr val="tx1"/>
                           </a:solidFill>
                         </a:rPr>
                         <a:t>d</a:t>
                       </a:r>
-                      <a:endParaRPr lang="en-US" b="0" dirty="0">
-                        <a:solidFill>
-                          <a:schemeClr val="tx1"/>
-                        </a:solidFill>
-                      </a:endParaRPr>
                     </a:p>
                   </a:txBody>
                   <a:tcPr marL="0" marR="0" marT="0" marB="0">
@@ -6049,18 +5931,13 @@
                         </a:lnSpc>
                       </a:pPr>
                       <a:r>
-                        <a:rPr lang="en-US" b="0" dirty="0" smtClean="0">
+                        <a:rPr lang="en-US" b="0" dirty="0">
                           <a:solidFill>
                             <a:schemeClr val="tx1"/>
                           </a:solidFill>
                         </a:rPr>
                         <a:t>e</a:t>
                       </a:r>
-                      <a:endParaRPr lang="en-US" b="0" dirty="0">
-                        <a:solidFill>
-                          <a:schemeClr val="tx1"/>
-                        </a:solidFill>
-                      </a:endParaRPr>
                     </a:p>
                   </a:txBody>
                   <a:tcPr marL="0" marR="0" marT="0" marB="0">
@@ -6114,18 +5991,13 @@
                         </a:lnSpc>
                       </a:pPr>
                       <a:r>
-                        <a:rPr lang="en-US" b="0" dirty="0" smtClean="0">
+                        <a:rPr lang="en-US" b="0" dirty="0">
                           <a:solidFill>
                             <a:schemeClr val="tx1"/>
                           </a:solidFill>
                         </a:rPr>
                         <a:t>1</a:t>
                       </a:r>
-                      <a:endParaRPr lang="en-US" b="0" dirty="0">
-                        <a:solidFill>
-                          <a:schemeClr val="tx1"/>
-                        </a:solidFill>
-                      </a:endParaRPr>
                     </a:p>
                   </a:txBody>
                   <a:tcPr marL="0" marR="0" marT="0" marB="0">
@@ -6172,6 +6044,11 @@
                     </a:solidFill>
                   </a:tcPr>
                 </a:tc>
+                <a:extLst>
+                  <a:ext uri="{0D108BD9-81ED-4DB2-BD59-A6C34878D82A}">
+                    <a16:rowId xmlns:a16="http://schemas.microsoft.com/office/drawing/2014/main" val="10005"/>
+                  </a:ext>
+                </a:extLst>
               </a:tr>
               <a:tr h="236916">
                 <a:tc>
@@ -6185,7 +6062,7 @@
                         </a:lnSpc>
                       </a:pPr>
                       <a:r>
-                        <a:rPr lang="en-US" sz="1800" b="0" kern="1200" dirty="0" smtClean="0">
+                        <a:rPr lang="en-US" sz="1800" b="0" kern="1200" dirty="0">
                           <a:solidFill>
                             <a:schemeClr val="tx1"/>
                           </a:solidFill>
@@ -6195,14 +6072,6 @@
                         </a:rPr>
                         <a:t>c</a:t>
                       </a:r>
-                      <a:endParaRPr lang="en-US" sz="1800" b="0" kern="1200" dirty="0">
-                        <a:solidFill>
-                          <a:schemeClr val="tx1"/>
-                        </a:solidFill>
-                        <a:latin typeface="+mn-lt"/>
-                        <a:ea typeface="+mn-ea"/>
-                        <a:cs typeface="+mn-cs"/>
-                      </a:endParaRPr>
                     </a:p>
                   </a:txBody>
                   <a:tcPr marL="0" marR="0" marT="0" marB="0">
@@ -6256,7 +6125,7 @@
                         </a:lnSpc>
                       </a:pPr>
                       <a:r>
-                        <a:rPr lang="en-US" sz="1800" b="0" kern="1200" dirty="0" smtClean="0">
+                        <a:rPr lang="en-US" sz="1800" b="0" kern="1200" dirty="0">
                           <a:solidFill>
                             <a:schemeClr val="tx1"/>
                           </a:solidFill>
@@ -6266,14 +6135,6 @@
                         </a:rPr>
                         <a:t>e</a:t>
                       </a:r>
-                      <a:endParaRPr lang="en-US" sz="1800" b="0" kern="1200" dirty="0">
-                        <a:solidFill>
-                          <a:schemeClr val="tx1"/>
-                        </a:solidFill>
-                        <a:latin typeface="+mn-lt"/>
-                        <a:ea typeface="+mn-ea"/>
-                        <a:cs typeface="+mn-cs"/>
-                      </a:endParaRPr>
                     </a:p>
                   </a:txBody>
                   <a:tcPr marL="0" marR="0" marT="0" marB="0">
@@ -6327,7 +6188,7 @@
                         </a:lnSpc>
                       </a:pPr>
                       <a:r>
-                        <a:rPr lang="en-US" sz="1800" b="0" kern="1200" dirty="0" smtClean="0">
+                        <a:rPr lang="en-US" sz="1800" b="0" kern="1200" dirty="0">
                           <a:solidFill>
                             <a:schemeClr val="tx1"/>
                           </a:solidFill>
@@ -6337,14 +6198,6 @@
                         </a:rPr>
                         <a:t>3</a:t>
                       </a:r>
-                      <a:endParaRPr lang="en-US" sz="1800" b="0" kern="1200" dirty="0">
-                        <a:solidFill>
-                          <a:schemeClr val="tx1"/>
-                        </a:solidFill>
-                        <a:latin typeface="+mn-lt"/>
-                        <a:ea typeface="+mn-ea"/>
-                        <a:cs typeface="+mn-cs"/>
-                      </a:endParaRPr>
                     </a:p>
                   </a:txBody>
                   <a:tcPr marL="0" marR="0" marT="0" marB="0">
@@ -6391,6 +6244,11 @@
                     </a:solidFill>
                   </a:tcPr>
                 </a:tc>
+                <a:extLst>
+                  <a:ext uri="{0D108BD9-81ED-4DB2-BD59-A6C34878D82A}">
+                    <a16:rowId xmlns:a16="http://schemas.microsoft.com/office/drawing/2014/main" val="10006"/>
+                  </a:ext>
+                </a:extLst>
               </a:tr>
             </a:tbl>
           </a:graphicData>
@@ -6425,7 +6283,7 @@
               </a:lnSpc>
             </a:pPr>
             <a:r>
-              <a:rPr lang="en-US" dirty="0" smtClean="0"/>
+              <a:rPr lang="en-US" dirty="0"/>
               <a:t>2</a:t>
             </a:r>
           </a:p>
@@ -6463,7 +6321,6 @@
               <a:rPr lang="en-US" dirty="0"/>
               <a:t>4</a:t>
             </a:r>
-            <a:endParaRPr lang="en-US" dirty="0" smtClean="0"/>
           </a:p>
         </p:txBody>
       </p:sp>
@@ -6496,10 +6353,10 @@
               </a:lnSpc>
             </a:pPr>
             <a:r>
-              <a:rPr lang="en-US" smtClean="0"/>
+              <a:rPr lang="en-US"/>
               <a:t>1</a:t>
             </a:r>
-            <a:endParaRPr lang="en-US" dirty="0" smtClean="0"/>
+            <a:endParaRPr lang="en-US" dirty="0"/>
           </a:p>
         </p:txBody>
       </p:sp>
@@ -6532,10 +6389,10 @@
               </a:lnSpc>
             </a:pPr>
             <a:r>
-              <a:rPr lang="en-US" smtClean="0"/>
+              <a:rPr lang="en-US"/>
               <a:t>2</a:t>
             </a:r>
-            <a:endParaRPr lang="en-US" dirty="0" smtClean="0"/>
+            <a:endParaRPr lang="en-US" dirty="0"/>
           </a:p>
         </p:txBody>
       </p:sp>
@@ -6568,10 +6425,10 @@
               </a:lnSpc>
             </a:pPr>
             <a:r>
-              <a:rPr lang="en-US" smtClean="0"/>
+              <a:rPr lang="en-US"/>
               <a:t>3</a:t>
             </a:r>
-            <a:endParaRPr lang="en-US" dirty="0" smtClean="0"/>
+            <a:endParaRPr lang="en-US" dirty="0"/>
           </a:p>
         </p:txBody>
       </p:sp>
@@ -6604,10 +6461,10 @@
               </a:lnSpc>
             </a:pPr>
             <a:r>
-              <a:rPr lang="en-US" smtClean="0"/>
+              <a:rPr lang="en-US"/>
               <a:t>1</a:t>
             </a:r>
-            <a:endParaRPr lang="en-US" dirty="0" smtClean="0"/>
+            <a:endParaRPr lang="en-US" dirty="0"/>
           </a:p>
         </p:txBody>
       </p:sp>
@@ -6636,9 +6493,27 @@
                 <a:tableStyleId>{5C22544A-7EE6-4342-B048-85BDC9FD1C3A}</a:tableStyleId>
               </a:tblPr>
               <a:tblGrid>
-                <a:gridCol w="388063"/>
-                <a:gridCol w="388063"/>
-                <a:gridCol w="388063"/>
+                <a:gridCol w="388063">
+                  <a:extLst>
+                    <a:ext uri="{9D8B030D-6E8A-4147-A177-3AD203B41FA5}">
+                      <a16:colId xmlns:a16="http://schemas.microsoft.com/office/drawing/2014/main" val="20000"/>
+                    </a:ext>
+                  </a:extLst>
+                </a:gridCol>
+                <a:gridCol w="388063">
+                  <a:extLst>
+                    <a:ext uri="{9D8B030D-6E8A-4147-A177-3AD203B41FA5}">
+                      <a16:colId xmlns:a16="http://schemas.microsoft.com/office/drawing/2014/main" val="20001"/>
+                    </a:ext>
+                  </a:extLst>
+                </a:gridCol>
+                <a:gridCol w="388063">
+                  <a:extLst>
+                    <a:ext uri="{9D8B030D-6E8A-4147-A177-3AD203B41FA5}">
+                      <a16:colId xmlns:a16="http://schemas.microsoft.com/office/drawing/2014/main" val="20002"/>
+                    </a:ext>
+                  </a:extLst>
+                </a:gridCol>
               </a:tblGrid>
               <a:tr h="236916">
                 <a:tc>
@@ -6652,7 +6527,7 @@
                         </a:lnSpc>
                       </a:pPr>
                       <a:r>
-                        <a:rPr lang="en-US" sz="1800" b="0" kern="1200" dirty="0" smtClean="0">
+                        <a:rPr lang="en-US" sz="1800" b="0" kern="1200" dirty="0">
                           <a:solidFill>
                             <a:schemeClr val="tx1"/>
                           </a:solidFill>
@@ -6662,14 +6537,6 @@
                         </a:rPr>
                         <a:t>c</a:t>
                       </a:r>
-                      <a:endParaRPr lang="en-US" sz="1800" b="0" kern="1200" dirty="0">
-                        <a:solidFill>
-                          <a:schemeClr val="tx1"/>
-                        </a:solidFill>
-                        <a:latin typeface="+mn-lt"/>
-                        <a:ea typeface="+mn-ea"/>
-                        <a:cs typeface="+mn-cs"/>
-                      </a:endParaRPr>
                     </a:p>
                   </a:txBody>
                   <a:tcPr marL="0" marR="0" marT="0" marB="0">
@@ -6723,7 +6590,7 @@
                         </a:lnSpc>
                       </a:pPr>
                       <a:r>
-                        <a:rPr lang="en-US" sz="1800" b="0" kern="1200" dirty="0" smtClean="0">
+                        <a:rPr lang="en-US" sz="1800" b="0" kern="1200" dirty="0">
                           <a:solidFill>
                             <a:schemeClr val="tx1"/>
                           </a:solidFill>
@@ -6733,14 +6600,6 @@
                         </a:rPr>
                         <a:t>f</a:t>
                       </a:r>
-                      <a:endParaRPr lang="en-US" sz="1800" b="0" kern="1200" dirty="0">
-                        <a:solidFill>
-                          <a:schemeClr val="tx1"/>
-                        </a:solidFill>
-                        <a:latin typeface="+mn-lt"/>
-                        <a:ea typeface="+mn-ea"/>
-                        <a:cs typeface="+mn-cs"/>
-                      </a:endParaRPr>
                     </a:p>
                   </a:txBody>
                   <a:tcPr marL="0" marR="0" marT="0" marB="0">
@@ -6794,7 +6653,7 @@
                         </a:lnSpc>
                       </a:pPr>
                       <a:r>
-                        <a:rPr lang="en-US" sz="1800" b="0" kern="1200" dirty="0" smtClean="0">
+                        <a:rPr lang="en-US" sz="1800" b="0" kern="1200" dirty="0">
                           <a:solidFill>
                             <a:schemeClr val="tx1"/>
                           </a:solidFill>
@@ -6804,14 +6663,6 @@
                         </a:rPr>
                         <a:t>1</a:t>
                       </a:r>
-                      <a:endParaRPr lang="en-US" sz="1800" b="0" kern="1200" dirty="0">
-                        <a:solidFill>
-                          <a:schemeClr val="tx1"/>
-                        </a:solidFill>
-                        <a:latin typeface="+mn-lt"/>
-                        <a:ea typeface="+mn-ea"/>
-                        <a:cs typeface="+mn-cs"/>
-                      </a:endParaRPr>
                     </a:p>
                   </a:txBody>
                   <a:tcPr marL="0" marR="0" marT="0" marB="0">
@@ -6858,6 +6709,11 @@
                     </a:solidFill>
                   </a:tcPr>
                 </a:tc>
+                <a:extLst>
+                  <a:ext uri="{0D108BD9-81ED-4DB2-BD59-A6C34878D82A}">
+                    <a16:rowId xmlns:a16="http://schemas.microsoft.com/office/drawing/2014/main" val="10000"/>
+                  </a:ext>
+                </a:extLst>
               </a:tr>
               <a:tr h="236916">
                 <a:tc>
@@ -6871,7 +6727,7 @@
                         </a:lnSpc>
                       </a:pPr>
                       <a:r>
-                        <a:rPr lang="en-US" sz="1800" b="0" kern="1200" dirty="0" smtClean="0">
+                        <a:rPr lang="en-US" sz="1800" b="0" kern="1200" dirty="0">
                           <a:solidFill>
                             <a:schemeClr val="tx1"/>
                           </a:solidFill>
@@ -6881,14 +6737,6 @@
                         </a:rPr>
                         <a:t>d</a:t>
                       </a:r>
-                      <a:endParaRPr lang="en-US" sz="1800" b="0" kern="1200" dirty="0">
-                        <a:solidFill>
-                          <a:schemeClr val="tx1"/>
-                        </a:solidFill>
-                        <a:latin typeface="+mn-lt"/>
-                        <a:ea typeface="+mn-ea"/>
-                        <a:cs typeface="+mn-cs"/>
-                      </a:endParaRPr>
                     </a:p>
                   </a:txBody>
                   <a:tcPr marL="0" marR="0" marT="0" marB="0">
@@ -6942,7 +6790,7 @@
                         </a:lnSpc>
                       </a:pPr>
                       <a:r>
-                        <a:rPr lang="en-US" sz="1800" b="0" kern="1200" dirty="0" smtClean="0">
+                        <a:rPr lang="en-US" sz="1800" b="0" kern="1200" dirty="0">
                           <a:solidFill>
                             <a:schemeClr val="tx1"/>
                           </a:solidFill>
@@ -6952,14 +6800,6 @@
                         </a:rPr>
                         <a:t>a</a:t>
                       </a:r>
-                      <a:endParaRPr lang="en-US" sz="1800" b="0" kern="1200" dirty="0">
-                        <a:solidFill>
-                          <a:schemeClr val="tx1"/>
-                        </a:solidFill>
-                        <a:latin typeface="+mn-lt"/>
-                        <a:ea typeface="+mn-ea"/>
-                        <a:cs typeface="+mn-cs"/>
-                      </a:endParaRPr>
                     </a:p>
                   </a:txBody>
                   <a:tcPr marL="0" marR="0" marT="0" marB="0">
@@ -7013,7 +6853,7 @@
                         </a:lnSpc>
                       </a:pPr>
                       <a:r>
-                        <a:rPr lang="en-US" sz="1800" b="0" kern="1200" dirty="0" smtClean="0">
+                        <a:rPr lang="en-US" sz="1800" b="0" kern="1200" dirty="0">
                           <a:solidFill>
                             <a:schemeClr val="tx1"/>
                           </a:solidFill>
@@ -7023,14 +6863,6 @@
                         </a:rPr>
                         <a:t>6</a:t>
                       </a:r>
-                      <a:endParaRPr lang="en-US" sz="1800" b="0" kern="1200" dirty="0">
-                        <a:solidFill>
-                          <a:schemeClr val="tx1"/>
-                        </a:solidFill>
-                        <a:latin typeface="+mn-lt"/>
-                        <a:ea typeface="+mn-ea"/>
-                        <a:cs typeface="+mn-cs"/>
-                      </a:endParaRPr>
                     </a:p>
                   </a:txBody>
                   <a:tcPr marL="0" marR="0" marT="0" marB="0">
@@ -7077,6 +6909,11 @@
                     </a:solidFill>
                   </a:tcPr>
                 </a:tc>
+                <a:extLst>
+                  <a:ext uri="{0D108BD9-81ED-4DB2-BD59-A6C34878D82A}">
+                    <a16:rowId xmlns:a16="http://schemas.microsoft.com/office/drawing/2014/main" val="10001"/>
+                  </a:ext>
+                </a:extLst>
               </a:tr>
               <a:tr h="236916">
                 <a:tc>
@@ -7090,18 +6927,13 @@
                         </a:lnSpc>
                       </a:pPr>
                       <a:r>
-                        <a:rPr lang="en-US" b="0" dirty="0" smtClean="0">
+                        <a:rPr lang="en-US" b="0" dirty="0">
                           <a:solidFill>
                             <a:schemeClr val="tx1"/>
                           </a:solidFill>
                         </a:rPr>
                         <a:t>c</a:t>
                       </a:r>
-                      <a:endParaRPr lang="en-US" b="0" dirty="0">
-                        <a:solidFill>
-                          <a:schemeClr val="tx1"/>
-                        </a:solidFill>
-                      </a:endParaRPr>
                     </a:p>
                   </a:txBody>
                   <a:tcPr marL="0" marR="0" marT="0" marB="0">
@@ -7155,18 +6987,13 @@
                         </a:lnSpc>
                       </a:pPr>
                       <a:r>
-                        <a:rPr lang="en-US" b="0" dirty="0" smtClean="0">
+                        <a:rPr lang="en-US" b="0" dirty="0">
                           <a:solidFill>
                             <a:schemeClr val="tx1"/>
                           </a:solidFill>
                         </a:rPr>
                         <a:t>b</a:t>
                       </a:r>
-                      <a:endParaRPr lang="en-US" b="0" dirty="0">
-                        <a:solidFill>
-                          <a:schemeClr val="tx1"/>
-                        </a:solidFill>
-                      </a:endParaRPr>
                     </a:p>
                   </a:txBody>
                   <a:tcPr marL="0" marR="0" marT="0" marB="0">
@@ -7220,18 +7047,13 @@
                         </a:lnSpc>
                       </a:pPr>
                       <a:r>
-                        <a:rPr lang="en-US" b="0" dirty="0" smtClean="0">
+                        <a:rPr lang="en-US" b="0" dirty="0">
                           <a:solidFill>
                             <a:schemeClr val="tx1"/>
                           </a:solidFill>
                         </a:rPr>
                         <a:t>4</a:t>
                       </a:r>
-                      <a:endParaRPr lang="en-US" b="0" dirty="0">
-                        <a:solidFill>
-                          <a:schemeClr val="tx1"/>
-                        </a:solidFill>
-                      </a:endParaRPr>
                     </a:p>
                   </a:txBody>
                   <a:tcPr marL="0" marR="0" marT="0" marB="0">
@@ -7278,6 +7100,11 @@
                     </a:solidFill>
                   </a:tcPr>
                 </a:tc>
+                <a:extLst>
+                  <a:ext uri="{0D108BD9-81ED-4DB2-BD59-A6C34878D82A}">
+                    <a16:rowId xmlns:a16="http://schemas.microsoft.com/office/drawing/2014/main" val="10002"/>
+                  </a:ext>
+                </a:extLst>
               </a:tr>
               <a:tr h="236916">
                 <a:tc>
@@ -7291,18 +7118,13 @@
                         </a:lnSpc>
                       </a:pPr>
                       <a:r>
-                        <a:rPr lang="en-US" b="0" dirty="0" smtClean="0">
+                        <a:rPr lang="en-US" b="0" dirty="0">
                           <a:solidFill>
                             <a:schemeClr val="tx1"/>
                           </a:solidFill>
                         </a:rPr>
                         <a:t>b</a:t>
                       </a:r>
-                      <a:endParaRPr lang="en-US" b="0" dirty="0">
-                        <a:solidFill>
-                          <a:schemeClr val="tx1"/>
-                        </a:solidFill>
-                      </a:endParaRPr>
                     </a:p>
                   </a:txBody>
                   <a:tcPr marL="0" marR="0" marT="0" marB="0">
@@ -7356,18 +7178,13 @@
                         </a:lnSpc>
                       </a:pPr>
                       <a:r>
-                        <a:rPr lang="en-US" b="0" dirty="0" smtClean="0">
+                        <a:rPr lang="en-US" b="0" dirty="0">
                           <a:solidFill>
                             <a:schemeClr val="tx1"/>
                           </a:solidFill>
                         </a:rPr>
                         <a:t>a</a:t>
                       </a:r>
-                      <a:endParaRPr lang="en-US" b="0" dirty="0">
-                        <a:solidFill>
-                          <a:schemeClr val="tx1"/>
-                        </a:solidFill>
-                      </a:endParaRPr>
                     </a:p>
                   </a:txBody>
                   <a:tcPr marL="0" marR="0" marT="0" marB="0">
@@ -7421,18 +7238,13 @@
                         </a:lnSpc>
                       </a:pPr>
                       <a:r>
-                        <a:rPr lang="en-US" b="0" dirty="0" smtClean="0">
+                        <a:rPr lang="en-US" b="0" dirty="0">
                           <a:solidFill>
                             <a:schemeClr val="tx1"/>
                           </a:solidFill>
                         </a:rPr>
                         <a:t>2</a:t>
                       </a:r>
-                      <a:endParaRPr lang="en-US" b="0" dirty="0">
-                        <a:solidFill>
-                          <a:schemeClr val="tx1"/>
-                        </a:solidFill>
-                      </a:endParaRPr>
                     </a:p>
                   </a:txBody>
                   <a:tcPr marL="0" marR="0" marT="0" marB="0">
@@ -7479,6 +7291,11 @@
                     </a:solidFill>
                   </a:tcPr>
                 </a:tc>
+                <a:extLst>
+                  <a:ext uri="{0D108BD9-81ED-4DB2-BD59-A6C34878D82A}">
+                    <a16:rowId xmlns:a16="http://schemas.microsoft.com/office/drawing/2014/main" val="10003"/>
+                  </a:ext>
+                </a:extLst>
               </a:tr>
               <a:tr h="236916">
                 <a:tc>
@@ -7492,7 +7309,7 @@
                         </a:lnSpc>
                       </a:pPr>
                       <a:r>
-                        <a:rPr lang="en-US" sz="1800" b="0" kern="1200" dirty="0" smtClean="0">
+                        <a:rPr lang="en-US" sz="1800" b="0" kern="1200" dirty="0">
                           <a:solidFill>
                             <a:schemeClr val="tx1"/>
                           </a:solidFill>
@@ -7502,14 +7319,6 @@
                         </a:rPr>
                         <a:t>b</a:t>
                       </a:r>
-                      <a:endParaRPr lang="en-US" sz="1800" b="0" kern="1200" dirty="0">
-                        <a:solidFill>
-                          <a:schemeClr val="tx1"/>
-                        </a:solidFill>
-                        <a:latin typeface="+mn-lt"/>
-                        <a:ea typeface="+mn-ea"/>
-                        <a:cs typeface="+mn-cs"/>
-                      </a:endParaRPr>
                     </a:p>
                   </a:txBody>
                   <a:tcPr marL="0" marR="0" marT="0" marB="0">
@@ -7563,7 +7372,7 @@
                         </a:lnSpc>
                       </a:pPr>
                       <a:r>
-                        <a:rPr lang="en-US" sz="1800" b="0" kern="1200" dirty="0" smtClean="0">
+                        <a:rPr lang="en-US" sz="1800" b="0" kern="1200" dirty="0">
                           <a:solidFill>
                             <a:schemeClr val="tx1"/>
                           </a:solidFill>
@@ -7573,14 +7382,6 @@
                         </a:rPr>
                         <a:t>e</a:t>
                       </a:r>
-                      <a:endParaRPr lang="en-US" sz="1800" b="0" kern="1200" dirty="0">
-                        <a:solidFill>
-                          <a:schemeClr val="tx1"/>
-                        </a:solidFill>
-                        <a:latin typeface="+mn-lt"/>
-                        <a:ea typeface="+mn-ea"/>
-                        <a:cs typeface="+mn-cs"/>
-                      </a:endParaRPr>
                     </a:p>
                   </a:txBody>
                   <a:tcPr marL="0" marR="0" marT="0" marB="0">
@@ -7634,7 +7435,7 @@
                         </a:lnSpc>
                       </a:pPr>
                       <a:r>
-                        <a:rPr lang="en-US" sz="1800" b="0" kern="1200" dirty="0" smtClean="0">
+                        <a:rPr lang="en-US" sz="1800" b="0" kern="1200" dirty="0">
                           <a:solidFill>
                             <a:schemeClr val="tx1"/>
                           </a:solidFill>
@@ -7644,14 +7445,6 @@
                         </a:rPr>
                         <a:t>2</a:t>
                       </a:r>
-                      <a:endParaRPr lang="en-US" sz="1800" b="0" kern="1200" dirty="0">
-                        <a:solidFill>
-                          <a:schemeClr val="tx1"/>
-                        </a:solidFill>
-                        <a:latin typeface="+mn-lt"/>
-                        <a:ea typeface="+mn-ea"/>
-                        <a:cs typeface="+mn-cs"/>
-                      </a:endParaRPr>
                     </a:p>
                   </a:txBody>
                   <a:tcPr marL="0" marR="0" marT="0" marB="0">
@@ -7698,6 +7491,11 @@
                     </a:solidFill>
                   </a:tcPr>
                 </a:tc>
+                <a:extLst>
+                  <a:ext uri="{0D108BD9-81ED-4DB2-BD59-A6C34878D82A}">
+                    <a16:rowId xmlns:a16="http://schemas.microsoft.com/office/drawing/2014/main" val="10004"/>
+                  </a:ext>
+                </a:extLst>
               </a:tr>
               <a:tr h="236916">
                 <a:tc>
@@ -7711,7 +7509,7 @@
                         </a:lnSpc>
                       </a:pPr>
                       <a:r>
-                        <a:rPr lang="en-US" sz="1800" b="0" kern="1200" dirty="0" smtClean="0">
+                        <a:rPr lang="en-US" sz="1800" b="0" kern="1200" dirty="0">
                           <a:solidFill>
                             <a:schemeClr val="tx1"/>
                           </a:solidFill>
@@ -7721,14 +7519,6 @@
                         </a:rPr>
                         <a:t>e</a:t>
                       </a:r>
-                      <a:endParaRPr lang="en-US" sz="1800" b="0" kern="1200" dirty="0">
-                        <a:solidFill>
-                          <a:schemeClr val="tx1"/>
-                        </a:solidFill>
-                        <a:latin typeface="+mn-lt"/>
-                        <a:ea typeface="+mn-ea"/>
-                        <a:cs typeface="+mn-cs"/>
-                      </a:endParaRPr>
                     </a:p>
                   </a:txBody>
                   <a:tcPr marL="0" marR="0" marT="0" marB="0">
@@ -7782,7 +7572,7 @@
                         </a:lnSpc>
                       </a:pPr>
                       <a:r>
-                        <a:rPr lang="en-US" sz="1800" b="0" kern="1200" dirty="0" smtClean="0">
+                        <a:rPr lang="en-US" sz="1800" b="0" kern="1200" dirty="0">
                           <a:solidFill>
                             <a:schemeClr val="tx1"/>
                           </a:solidFill>
@@ -7792,14 +7582,6 @@
                         </a:rPr>
                         <a:t>c</a:t>
                       </a:r>
-                      <a:endParaRPr lang="en-US" sz="1800" b="0" kern="1200" dirty="0">
-                        <a:solidFill>
-                          <a:schemeClr val="tx1"/>
-                        </a:solidFill>
-                        <a:latin typeface="+mn-lt"/>
-                        <a:ea typeface="+mn-ea"/>
-                        <a:cs typeface="+mn-cs"/>
-                      </a:endParaRPr>
                     </a:p>
                   </a:txBody>
                   <a:tcPr marL="0" marR="0" marT="0" marB="0">
@@ -7853,7 +7635,7 @@
                         </a:lnSpc>
                       </a:pPr>
                       <a:r>
-                        <a:rPr lang="en-US" sz="1800" b="0" kern="1200" dirty="0" smtClean="0">
+                        <a:rPr lang="en-US" sz="1800" b="0" kern="1200" dirty="0">
                           <a:solidFill>
                             <a:schemeClr val="tx1"/>
                           </a:solidFill>
@@ -7863,14 +7645,6 @@
                         </a:rPr>
                         <a:t>3</a:t>
                       </a:r>
-                      <a:endParaRPr lang="en-US" sz="1800" b="0" kern="1200" dirty="0">
-                        <a:solidFill>
-                          <a:schemeClr val="tx1"/>
-                        </a:solidFill>
-                        <a:latin typeface="+mn-lt"/>
-                        <a:ea typeface="+mn-ea"/>
-                        <a:cs typeface="+mn-cs"/>
-                      </a:endParaRPr>
                     </a:p>
                   </a:txBody>
                   <a:tcPr marL="0" marR="0" marT="0" marB="0">
@@ -7917,6 +7691,11 @@
                     </a:solidFill>
                   </a:tcPr>
                 </a:tc>
+                <a:extLst>
+                  <a:ext uri="{0D108BD9-81ED-4DB2-BD59-A6C34878D82A}">
+                    <a16:rowId xmlns:a16="http://schemas.microsoft.com/office/drawing/2014/main" val="10005"/>
+                  </a:ext>
+                </a:extLst>
               </a:tr>
               <a:tr h="236916">
                 <a:tc>
@@ -7930,7 +7709,7 @@
                         </a:lnSpc>
                       </a:pPr>
                       <a:r>
-                        <a:rPr lang="en-US" sz="1800" b="0" kern="1200" dirty="0" smtClean="0">
+                        <a:rPr lang="en-US" sz="1800" b="0" kern="1200" dirty="0">
                           <a:solidFill>
                             <a:schemeClr val="tx1"/>
                           </a:solidFill>
@@ -7940,14 +7719,6 @@
                         </a:rPr>
                         <a:t>f</a:t>
                       </a:r>
-                      <a:endParaRPr lang="en-US" sz="1800" b="0" kern="1200" dirty="0">
-                        <a:solidFill>
-                          <a:schemeClr val="tx1"/>
-                        </a:solidFill>
-                        <a:latin typeface="+mn-lt"/>
-                        <a:ea typeface="+mn-ea"/>
-                        <a:cs typeface="+mn-cs"/>
-                      </a:endParaRPr>
                     </a:p>
                   </a:txBody>
                   <a:tcPr marL="0" marR="0" marT="0" marB="0">
@@ -8001,7 +7772,7 @@
                         </a:lnSpc>
                       </a:pPr>
                       <a:r>
-                        <a:rPr lang="en-US" sz="1800" b="0" kern="1200" dirty="0" smtClean="0">
+                        <a:rPr lang="en-US" sz="1800" b="0" kern="1200" dirty="0">
                           <a:solidFill>
                             <a:schemeClr val="tx1"/>
                           </a:solidFill>
@@ -8011,14 +7782,6 @@
                         </a:rPr>
                         <a:t>c</a:t>
                       </a:r>
-                      <a:endParaRPr lang="en-US" sz="1800" b="0" kern="1200" dirty="0">
-                        <a:solidFill>
-                          <a:schemeClr val="tx1"/>
-                        </a:solidFill>
-                        <a:latin typeface="+mn-lt"/>
-                        <a:ea typeface="+mn-ea"/>
-                        <a:cs typeface="+mn-cs"/>
-                      </a:endParaRPr>
                     </a:p>
                   </a:txBody>
                   <a:tcPr marL="0" marR="0" marT="0" marB="0">
@@ -8072,7 +7835,7 @@
                         </a:lnSpc>
                       </a:pPr>
                       <a:r>
-                        <a:rPr lang="en-US" sz="1800" b="0" kern="1200" dirty="0" smtClean="0">
+                        <a:rPr lang="en-US" sz="1800" b="0" kern="1200" dirty="0">
                           <a:solidFill>
                             <a:schemeClr val="tx1"/>
                           </a:solidFill>
@@ -8082,14 +7845,6 @@
                         </a:rPr>
                         <a:t>1</a:t>
                       </a:r>
-                      <a:endParaRPr lang="en-US" sz="1800" b="0" kern="1200" dirty="0">
-                        <a:solidFill>
-                          <a:schemeClr val="tx1"/>
-                        </a:solidFill>
-                        <a:latin typeface="+mn-lt"/>
-                        <a:ea typeface="+mn-ea"/>
-                        <a:cs typeface="+mn-cs"/>
-                      </a:endParaRPr>
                     </a:p>
                   </a:txBody>
                   <a:tcPr marL="0" marR="0" marT="0" marB="0">
@@ -8136,6 +7891,11 @@
                     </a:solidFill>
                   </a:tcPr>
                 </a:tc>
+                <a:extLst>
+                  <a:ext uri="{0D108BD9-81ED-4DB2-BD59-A6C34878D82A}">
+                    <a16:rowId xmlns:a16="http://schemas.microsoft.com/office/drawing/2014/main" val="10006"/>
+                  </a:ext>
+                </a:extLst>
               </a:tr>
             </a:tbl>
           </a:graphicData>
@@ -8209,7 +7969,7 @@
               </a:lnSpc>
             </a:pPr>
             <a:r>
-              <a:rPr lang="en-US" dirty="0" smtClean="0"/>
+              <a:rPr lang="en-US" dirty="0"/>
               <a:t>6</a:t>
             </a:r>
           </a:p>
@@ -8240,20 +8000,104 @@
                 <a:tableStyleId>{5C22544A-7EE6-4342-B048-85BDC9FD1C3A}</a:tableStyleId>
               </a:tblPr>
               <a:tblGrid>
-                <a:gridCol w="313509"/>
-                <a:gridCol w="313509"/>
-                <a:gridCol w="313509"/>
-                <a:gridCol w="313509"/>
-                <a:gridCol w="313509"/>
-                <a:gridCol w="313509"/>
-                <a:gridCol w="313509"/>
-                <a:gridCol w="313509"/>
-                <a:gridCol w="313509"/>
-                <a:gridCol w="313509"/>
-                <a:gridCol w="313509"/>
-                <a:gridCol w="313509"/>
-                <a:gridCol w="313509"/>
-                <a:gridCol w="313509"/>
+                <a:gridCol w="313509">
+                  <a:extLst>
+                    <a:ext uri="{9D8B030D-6E8A-4147-A177-3AD203B41FA5}">
+                      <a16:colId xmlns:a16="http://schemas.microsoft.com/office/drawing/2014/main" val="20000"/>
+                    </a:ext>
+                  </a:extLst>
+                </a:gridCol>
+                <a:gridCol w="313509">
+                  <a:extLst>
+                    <a:ext uri="{9D8B030D-6E8A-4147-A177-3AD203B41FA5}">
+                      <a16:colId xmlns:a16="http://schemas.microsoft.com/office/drawing/2014/main" val="20001"/>
+                    </a:ext>
+                  </a:extLst>
+                </a:gridCol>
+                <a:gridCol w="313509">
+                  <a:extLst>
+                    <a:ext uri="{9D8B030D-6E8A-4147-A177-3AD203B41FA5}">
+                      <a16:colId xmlns:a16="http://schemas.microsoft.com/office/drawing/2014/main" val="20002"/>
+                    </a:ext>
+                  </a:extLst>
+                </a:gridCol>
+                <a:gridCol w="313509">
+                  <a:extLst>
+                    <a:ext uri="{9D8B030D-6E8A-4147-A177-3AD203B41FA5}">
+                      <a16:colId xmlns:a16="http://schemas.microsoft.com/office/drawing/2014/main" val="20003"/>
+                    </a:ext>
+                  </a:extLst>
+                </a:gridCol>
+                <a:gridCol w="313509">
+                  <a:extLst>
+                    <a:ext uri="{9D8B030D-6E8A-4147-A177-3AD203B41FA5}">
+                      <a16:colId xmlns:a16="http://schemas.microsoft.com/office/drawing/2014/main" val="20004"/>
+                    </a:ext>
+                  </a:extLst>
+                </a:gridCol>
+                <a:gridCol w="313509">
+                  <a:extLst>
+                    <a:ext uri="{9D8B030D-6E8A-4147-A177-3AD203B41FA5}">
+                      <a16:colId xmlns:a16="http://schemas.microsoft.com/office/drawing/2014/main" val="20005"/>
+                    </a:ext>
+                  </a:extLst>
+                </a:gridCol>
+                <a:gridCol w="313509">
+                  <a:extLst>
+                    <a:ext uri="{9D8B030D-6E8A-4147-A177-3AD203B41FA5}">
+                      <a16:colId xmlns:a16="http://schemas.microsoft.com/office/drawing/2014/main" val="20006"/>
+                    </a:ext>
+                  </a:extLst>
+                </a:gridCol>
+                <a:gridCol w="313509">
+                  <a:extLst>
+                    <a:ext uri="{9D8B030D-6E8A-4147-A177-3AD203B41FA5}">
+                      <a16:colId xmlns:a16="http://schemas.microsoft.com/office/drawing/2014/main" val="20007"/>
+                    </a:ext>
+                  </a:extLst>
+                </a:gridCol>
+                <a:gridCol w="313509">
+                  <a:extLst>
+                    <a:ext uri="{9D8B030D-6E8A-4147-A177-3AD203B41FA5}">
+                      <a16:colId xmlns:a16="http://schemas.microsoft.com/office/drawing/2014/main" val="20008"/>
+                    </a:ext>
+                  </a:extLst>
+                </a:gridCol>
+                <a:gridCol w="313509">
+                  <a:extLst>
+                    <a:ext uri="{9D8B030D-6E8A-4147-A177-3AD203B41FA5}">
+                      <a16:colId xmlns:a16="http://schemas.microsoft.com/office/drawing/2014/main" val="20009"/>
+                    </a:ext>
+                  </a:extLst>
+                </a:gridCol>
+                <a:gridCol w="313509">
+                  <a:extLst>
+                    <a:ext uri="{9D8B030D-6E8A-4147-A177-3AD203B41FA5}">
+                      <a16:colId xmlns:a16="http://schemas.microsoft.com/office/drawing/2014/main" val="20010"/>
+                    </a:ext>
+                  </a:extLst>
+                </a:gridCol>
+                <a:gridCol w="313509">
+                  <a:extLst>
+                    <a:ext uri="{9D8B030D-6E8A-4147-A177-3AD203B41FA5}">
+                      <a16:colId xmlns:a16="http://schemas.microsoft.com/office/drawing/2014/main" val="20011"/>
+                    </a:ext>
+                  </a:extLst>
+                </a:gridCol>
+                <a:gridCol w="313509">
+                  <a:extLst>
+                    <a:ext uri="{9D8B030D-6E8A-4147-A177-3AD203B41FA5}">
+                      <a16:colId xmlns:a16="http://schemas.microsoft.com/office/drawing/2014/main" val="20012"/>
+                    </a:ext>
+                  </a:extLst>
+                </a:gridCol>
+                <a:gridCol w="313509">
+                  <a:extLst>
+                    <a:ext uri="{9D8B030D-6E8A-4147-A177-3AD203B41FA5}">
+                      <a16:colId xmlns:a16="http://schemas.microsoft.com/office/drawing/2014/main" val="20013"/>
+                    </a:ext>
+                  </a:extLst>
+                </a:gridCol>
               </a:tblGrid>
               <a:tr h="280550">
                 <a:tc>
@@ -8267,7 +8111,7 @@
                         </a:lnSpc>
                       </a:pPr>
                       <a:r>
-                        <a:rPr lang="en-US" sz="1800" b="0" kern="1200" dirty="0" smtClean="0">
+                        <a:rPr lang="en-US" sz="1800" b="0" kern="1200" dirty="0">
                           <a:solidFill>
                             <a:schemeClr val="tx1"/>
                           </a:solidFill>
@@ -8277,14 +8121,6 @@
                         </a:rPr>
                         <a:t>b</a:t>
                       </a:r>
-                      <a:endParaRPr lang="en-US" sz="1800" b="0" kern="1200" dirty="0">
-                        <a:solidFill>
-                          <a:schemeClr val="tx1"/>
-                        </a:solidFill>
-                        <a:latin typeface="+mn-lt"/>
-                        <a:ea typeface="+mn-ea"/>
-                        <a:cs typeface="+mn-cs"/>
-                      </a:endParaRPr>
                     </a:p>
                   </a:txBody>
                   <a:tcPr>
@@ -8338,7 +8174,7 @@
                         </a:lnSpc>
                       </a:pPr>
                       <a:r>
-                        <a:rPr lang="en-US" sz="1800" b="0" kern="1200" dirty="0" smtClean="0">
+                        <a:rPr lang="en-US" sz="1800" b="0" kern="1200" dirty="0">
                           <a:solidFill>
                             <a:schemeClr val="tx1"/>
                           </a:solidFill>
@@ -8348,14 +8184,6 @@
                         </a:rPr>
                         <a:t>d</a:t>
                       </a:r>
-                      <a:endParaRPr lang="en-US" sz="1800" b="0" kern="1200" dirty="0">
-                        <a:solidFill>
-                          <a:schemeClr val="tx1"/>
-                        </a:solidFill>
-                        <a:latin typeface="+mn-lt"/>
-                        <a:ea typeface="+mn-ea"/>
-                        <a:cs typeface="+mn-cs"/>
-                      </a:endParaRPr>
                     </a:p>
                   </a:txBody>
                   <a:tcPr>
@@ -8409,7 +8237,7 @@
                         </a:lnSpc>
                       </a:pPr>
                       <a:r>
-                        <a:rPr lang="en-US" sz="1800" b="0" kern="1200" dirty="0" smtClean="0">
+                        <a:rPr lang="en-US" sz="1800" b="0" kern="1200" dirty="0">
                           <a:solidFill>
                             <a:schemeClr val="tx1"/>
                           </a:solidFill>
@@ -8419,14 +8247,6 @@
                         </a:rPr>
                         <a:t>a</a:t>
                       </a:r>
-                      <a:endParaRPr lang="en-US" sz="1800" b="0" kern="1200" dirty="0">
-                        <a:solidFill>
-                          <a:schemeClr val="tx1"/>
-                        </a:solidFill>
-                        <a:latin typeface="+mn-lt"/>
-                        <a:ea typeface="+mn-ea"/>
-                        <a:cs typeface="+mn-cs"/>
-                      </a:endParaRPr>
                     </a:p>
                   </a:txBody>
                   <a:tcPr>
@@ -8480,7 +8300,7 @@
                         </a:lnSpc>
                       </a:pPr>
                       <a:r>
-                        <a:rPr lang="en-US" sz="1800" b="0" kern="1200" dirty="0" smtClean="0">
+                        <a:rPr lang="en-US" sz="1800" b="0" kern="1200" dirty="0">
                           <a:solidFill>
                             <a:schemeClr val="tx1"/>
                           </a:solidFill>
@@ -8490,14 +8310,6 @@
                         </a:rPr>
                         <a:t>c</a:t>
                       </a:r>
-                      <a:endParaRPr lang="en-US" sz="1800" b="0" kern="1200" dirty="0">
-                        <a:solidFill>
-                          <a:schemeClr val="tx1"/>
-                        </a:solidFill>
-                        <a:latin typeface="+mn-lt"/>
-                        <a:ea typeface="+mn-ea"/>
-                        <a:cs typeface="+mn-cs"/>
-                      </a:endParaRPr>
                     </a:p>
                   </a:txBody>
                   <a:tcPr>
@@ -8551,7 +8363,7 @@
                         </a:lnSpc>
                       </a:pPr>
                       <a:r>
-                        <a:rPr lang="en-US" sz="1800" b="0" kern="1200" dirty="0" smtClean="0">
+                        <a:rPr lang="en-US" sz="1800" b="0" kern="1200" dirty="0">
                           <a:solidFill>
                             <a:schemeClr val="tx1"/>
                           </a:solidFill>
@@ -8561,14 +8373,6 @@
                         </a:rPr>
                         <a:t>e</a:t>
                       </a:r>
-                      <a:endParaRPr lang="en-US" sz="1800" b="0" kern="1200" dirty="0">
-                        <a:solidFill>
-                          <a:schemeClr val="tx1"/>
-                        </a:solidFill>
-                        <a:latin typeface="+mn-lt"/>
-                        <a:ea typeface="+mn-ea"/>
-                        <a:cs typeface="+mn-cs"/>
-                      </a:endParaRPr>
                     </a:p>
                   </a:txBody>
                   <a:tcPr>
@@ -8622,7 +8426,7 @@
                         </a:lnSpc>
                       </a:pPr>
                       <a:r>
-                        <a:rPr lang="en-US" sz="1800" b="0" kern="1200" dirty="0" smtClean="0">
+                        <a:rPr lang="en-US" sz="1800" b="0" kern="1200" dirty="0">
                           <a:solidFill>
                             <a:schemeClr val="tx1"/>
                           </a:solidFill>
@@ -8632,14 +8436,6 @@
                         </a:rPr>
                         <a:t>b</a:t>
                       </a:r>
-                      <a:endParaRPr lang="en-US" sz="1800" b="0" kern="1200" dirty="0">
-                        <a:solidFill>
-                          <a:schemeClr val="tx1"/>
-                        </a:solidFill>
-                        <a:latin typeface="+mn-lt"/>
-                        <a:ea typeface="+mn-ea"/>
-                        <a:cs typeface="+mn-cs"/>
-                      </a:endParaRPr>
                     </a:p>
                   </a:txBody>
                   <a:tcPr>
@@ -8693,7 +8489,7 @@
                         </a:lnSpc>
                       </a:pPr>
                       <a:r>
-                        <a:rPr lang="en-US" sz="1800" b="0" kern="1200" dirty="0" smtClean="0">
+                        <a:rPr lang="en-US" sz="1800" b="0" kern="1200" dirty="0">
                           <a:solidFill>
                             <a:schemeClr val="tx1"/>
                           </a:solidFill>
@@ -8703,14 +8499,6 @@
                         </a:rPr>
                         <a:t>e</a:t>
                       </a:r>
-                      <a:endParaRPr lang="en-US" sz="1800" b="0" kern="1200" dirty="0">
-                        <a:solidFill>
-                          <a:schemeClr val="tx1"/>
-                        </a:solidFill>
-                        <a:latin typeface="+mn-lt"/>
-                        <a:ea typeface="+mn-ea"/>
-                        <a:cs typeface="+mn-cs"/>
-                      </a:endParaRPr>
                     </a:p>
                   </a:txBody>
                   <a:tcPr>
@@ -8764,7 +8552,7 @@
                         </a:lnSpc>
                       </a:pPr>
                       <a:r>
-                        <a:rPr lang="en-US" sz="1800" b="0" kern="1200" dirty="0" smtClean="0">
+                        <a:rPr lang="en-US" sz="1800" b="0" kern="1200" dirty="0">
                           <a:solidFill>
                             <a:schemeClr val="tx1"/>
                           </a:solidFill>
@@ -8774,14 +8562,6 @@
                         </a:rPr>
                         <a:t>f</a:t>
                       </a:r>
-                      <a:endParaRPr lang="en-US" sz="1800" b="0" kern="1200" dirty="0">
-                        <a:solidFill>
-                          <a:schemeClr val="tx1"/>
-                        </a:solidFill>
-                        <a:latin typeface="+mn-lt"/>
-                        <a:ea typeface="+mn-ea"/>
-                        <a:cs typeface="+mn-cs"/>
-                      </a:endParaRPr>
                     </a:p>
                   </a:txBody>
                   <a:tcPr>
@@ -8835,7 +8615,7 @@
                         </a:lnSpc>
                       </a:pPr>
                       <a:r>
-                        <a:rPr lang="en-US" sz="1800" b="0" kern="1200" dirty="0" smtClean="0">
+                        <a:rPr lang="en-US" sz="1800" b="0" kern="1200" dirty="0">
                           <a:solidFill>
                             <a:schemeClr val="tx1"/>
                           </a:solidFill>
@@ -8845,14 +8625,6 @@
                         </a:rPr>
                         <a:t>a</a:t>
                       </a:r>
-                      <a:endParaRPr lang="en-US" sz="1800" b="0" kern="1200" dirty="0">
-                        <a:solidFill>
-                          <a:schemeClr val="tx1"/>
-                        </a:solidFill>
-                        <a:latin typeface="+mn-lt"/>
-                        <a:ea typeface="+mn-ea"/>
-                        <a:cs typeface="+mn-cs"/>
-                      </a:endParaRPr>
                     </a:p>
                   </a:txBody>
                   <a:tcPr>
@@ -8906,7 +8678,7 @@
                         </a:lnSpc>
                       </a:pPr>
                       <a:r>
-                        <a:rPr lang="en-US" sz="1800" b="0" kern="1200" dirty="0" smtClean="0">
+                        <a:rPr lang="en-US" sz="1800" b="0" kern="1200" dirty="0">
                           <a:solidFill>
                             <a:schemeClr val="tx1"/>
                           </a:solidFill>
@@ -8916,14 +8688,6 @@
                         </a:rPr>
                         <a:t>e</a:t>
                       </a:r>
-                      <a:endParaRPr lang="en-US" sz="1800" b="0" kern="1200" dirty="0">
-                        <a:solidFill>
-                          <a:schemeClr val="tx1"/>
-                        </a:solidFill>
-                        <a:latin typeface="+mn-lt"/>
-                        <a:ea typeface="+mn-ea"/>
-                        <a:cs typeface="+mn-cs"/>
-                      </a:endParaRPr>
                     </a:p>
                   </a:txBody>
                   <a:tcPr>
@@ -8977,7 +8741,7 @@
                         </a:lnSpc>
                       </a:pPr>
                       <a:r>
-                        <a:rPr lang="en-US" sz="1800" b="0" kern="1200" dirty="0" smtClean="0">
+                        <a:rPr lang="en-US" sz="1800" b="0" kern="1200" dirty="0">
                           <a:solidFill>
                             <a:schemeClr val="tx1"/>
                           </a:solidFill>
@@ -8987,14 +8751,6 @@
                         </a:rPr>
                         <a:t>b</a:t>
                       </a:r>
-                      <a:endParaRPr lang="en-US" sz="1800" b="0" kern="1200" dirty="0">
-                        <a:solidFill>
-                          <a:schemeClr val="tx1"/>
-                        </a:solidFill>
-                        <a:latin typeface="+mn-lt"/>
-                        <a:ea typeface="+mn-ea"/>
-                        <a:cs typeface="+mn-cs"/>
-                      </a:endParaRPr>
                     </a:p>
                   </a:txBody>
                   <a:tcPr>
@@ -9048,7 +8804,7 @@
                         </a:lnSpc>
                       </a:pPr>
                       <a:r>
-                        <a:rPr lang="en-US" sz="1800" b="0" kern="1200" dirty="0" smtClean="0">
+                        <a:rPr lang="en-US" sz="1800" b="0" kern="1200" dirty="0">
                           <a:solidFill>
                             <a:schemeClr val="tx1"/>
                           </a:solidFill>
@@ -9058,14 +8814,6 @@
                         </a:rPr>
                         <a:t>d</a:t>
                       </a:r>
-                      <a:endParaRPr lang="en-US" sz="1800" b="0" kern="1200" dirty="0">
-                        <a:solidFill>
-                          <a:schemeClr val="tx1"/>
-                        </a:solidFill>
-                        <a:latin typeface="+mn-lt"/>
-                        <a:ea typeface="+mn-ea"/>
-                        <a:cs typeface="+mn-cs"/>
-                      </a:endParaRPr>
                     </a:p>
                   </a:txBody>
                   <a:tcPr>
@@ -9119,7 +8867,7 @@
                         </a:lnSpc>
                       </a:pPr>
                       <a:r>
-                        <a:rPr lang="en-US" sz="1800" b="0" kern="1200" dirty="0" smtClean="0">
+                        <a:rPr lang="en-US" sz="1800" b="0" kern="1200" dirty="0">
                           <a:solidFill>
                             <a:schemeClr val="tx1"/>
                           </a:solidFill>
@@ -9129,14 +8877,6 @@
                         </a:rPr>
                         <a:t>c</a:t>
                       </a:r>
-                      <a:endParaRPr lang="en-US" sz="1800" b="0" kern="1200" dirty="0">
-                        <a:solidFill>
-                          <a:schemeClr val="tx1"/>
-                        </a:solidFill>
-                        <a:latin typeface="+mn-lt"/>
-                        <a:ea typeface="+mn-ea"/>
-                        <a:cs typeface="+mn-cs"/>
-                      </a:endParaRPr>
                     </a:p>
                   </a:txBody>
                   <a:tcPr>
@@ -9190,7 +8930,7 @@
                         </a:lnSpc>
                       </a:pPr>
                       <a:r>
-                        <a:rPr lang="en-US" sz="1800" b="0" kern="1200" dirty="0" smtClean="0">
+                        <a:rPr lang="en-US" sz="1800" b="0" kern="1200" dirty="0">
                           <a:solidFill>
                             <a:schemeClr val="tx1"/>
                           </a:solidFill>
@@ -9200,14 +8940,6 @@
                         </a:rPr>
                         <a:t>c</a:t>
                       </a:r>
-                      <a:endParaRPr lang="en-US" sz="1800" b="0" kern="1200" dirty="0">
-                        <a:solidFill>
-                          <a:schemeClr val="tx1"/>
-                        </a:solidFill>
-                        <a:latin typeface="+mn-lt"/>
-                        <a:ea typeface="+mn-ea"/>
-                        <a:cs typeface="+mn-cs"/>
-                      </a:endParaRPr>
                     </a:p>
                   </a:txBody>
                   <a:tcPr>
@@ -9250,6 +8982,11 @@
                     <a:noFill/>
                   </a:tcPr>
                 </a:tc>
+                <a:extLst>
+                  <a:ext uri="{0D108BD9-81ED-4DB2-BD59-A6C34878D82A}">
+                    <a16:rowId xmlns:a16="http://schemas.microsoft.com/office/drawing/2014/main" val="10000"/>
+                  </a:ext>
+                </a:extLst>
               </a:tr>
             </a:tbl>
           </a:graphicData>
@@ -9280,13 +9017,55 @@
                 <a:tableStyleId>{5C22544A-7EE6-4342-B048-85BDC9FD1C3A}</a:tableStyleId>
               </a:tblPr>
               <a:tblGrid>
-                <a:gridCol w="310606"/>
-                <a:gridCol w="310606"/>
-                <a:gridCol w="310606"/>
-                <a:gridCol w="310606"/>
-                <a:gridCol w="310606"/>
-                <a:gridCol w="310606"/>
-                <a:gridCol w="310606"/>
+                <a:gridCol w="310606">
+                  <a:extLst>
+                    <a:ext uri="{9D8B030D-6E8A-4147-A177-3AD203B41FA5}">
+                      <a16:colId xmlns:a16="http://schemas.microsoft.com/office/drawing/2014/main" val="20000"/>
+                    </a:ext>
+                  </a:extLst>
+                </a:gridCol>
+                <a:gridCol w="310606">
+                  <a:extLst>
+                    <a:ext uri="{9D8B030D-6E8A-4147-A177-3AD203B41FA5}">
+                      <a16:colId xmlns:a16="http://schemas.microsoft.com/office/drawing/2014/main" val="20001"/>
+                    </a:ext>
+                  </a:extLst>
+                </a:gridCol>
+                <a:gridCol w="310606">
+                  <a:extLst>
+                    <a:ext uri="{9D8B030D-6E8A-4147-A177-3AD203B41FA5}">
+                      <a16:colId xmlns:a16="http://schemas.microsoft.com/office/drawing/2014/main" val="20002"/>
+                    </a:ext>
+                  </a:extLst>
+                </a:gridCol>
+                <a:gridCol w="310606">
+                  <a:extLst>
+                    <a:ext uri="{9D8B030D-6E8A-4147-A177-3AD203B41FA5}">
+                      <a16:colId xmlns:a16="http://schemas.microsoft.com/office/drawing/2014/main" val="20003"/>
+                    </a:ext>
+                  </a:extLst>
+                </a:gridCol>
+                <a:gridCol w="310606">
+                  <a:extLst>
+                    <a:ext uri="{9D8B030D-6E8A-4147-A177-3AD203B41FA5}">
+                      <a16:colId xmlns:a16="http://schemas.microsoft.com/office/drawing/2014/main" val="20004"/>
+                    </a:ext>
+                  </a:extLst>
+                </a:gridCol>
+                <a:gridCol w="310606">
+                  <a:extLst>
+                    <a:ext uri="{9D8B030D-6E8A-4147-A177-3AD203B41FA5}">
+                      <a16:colId xmlns:a16="http://schemas.microsoft.com/office/drawing/2014/main" val="20005"/>
+                    </a:ext>
+                  </a:extLst>
+                </a:gridCol>
+                <a:gridCol w="310606">
+                  <a:extLst>
+                    <a:ext uri="{9D8B030D-6E8A-4147-A177-3AD203B41FA5}">
+                      <a16:colId xmlns:a16="http://schemas.microsoft.com/office/drawing/2014/main" val="20006"/>
+                    </a:ext>
+                  </a:extLst>
+                </a:gridCol>
               </a:tblGrid>
               <a:tr h="280550">
                 <a:tc>
@@ -9300,7 +9079,7 @@
                         </a:lnSpc>
                       </a:pPr>
                       <a:r>
-                        <a:rPr lang="en-US" sz="1800" b="0" kern="1200" dirty="0" smtClean="0">
+                        <a:rPr lang="en-US" sz="1800" b="0" kern="1200" dirty="0">
                           <a:solidFill>
                             <a:schemeClr val="tx1"/>
                           </a:solidFill>
@@ -9310,14 +9089,6 @@
                         </a:rPr>
                         <a:t>0</a:t>
                       </a:r>
-                      <a:endParaRPr lang="en-US" sz="1800" b="0" kern="1200" dirty="0">
-                        <a:solidFill>
-                          <a:schemeClr val="tx1"/>
-                        </a:solidFill>
-                        <a:latin typeface="+mn-lt"/>
-                        <a:ea typeface="+mn-ea"/>
-                        <a:cs typeface="+mn-cs"/>
-                      </a:endParaRPr>
                     </a:p>
                   </a:txBody>
                   <a:tcPr marL="0" marR="0">
@@ -9371,7 +9142,7 @@
                         </a:lnSpc>
                       </a:pPr>
                       <a:r>
-                        <a:rPr lang="en-US" sz="1800" b="0" kern="1200" dirty="0" smtClean="0">
+                        <a:rPr lang="en-US" sz="1800" b="0" kern="1200" dirty="0">
                           <a:solidFill>
                             <a:schemeClr val="tx1"/>
                           </a:solidFill>
@@ -9381,14 +9152,6 @@
                         </a:rPr>
                         <a:t>2</a:t>
                       </a:r>
-                      <a:endParaRPr lang="en-US" sz="1800" b="0" kern="1200" dirty="0">
-                        <a:solidFill>
-                          <a:schemeClr val="tx1"/>
-                        </a:solidFill>
-                        <a:latin typeface="+mn-lt"/>
-                        <a:ea typeface="+mn-ea"/>
-                        <a:cs typeface="+mn-cs"/>
-                      </a:endParaRPr>
                     </a:p>
                   </a:txBody>
                   <a:tcPr marL="0" marR="0">
@@ -9442,7 +9205,7 @@
                         </a:lnSpc>
                       </a:pPr>
                       <a:r>
-                        <a:rPr lang="en-US" sz="1800" b="0" kern="1200" dirty="0" smtClean="0">
+                        <a:rPr lang="en-US" sz="1800" b="0" kern="1200" dirty="0">
                           <a:solidFill>
                             <a:schemeClr val="tx1"/>
                           </a:solidFill>
@@ -9452,14 +9215,6 @@
                         </a:rPr>
                         <a:t>5</a:t>
                       </a:r>
-                      <a:endParaRPr lang="en-US" sz="1800" b="0" kern="1200" dirty="0">
-                        <a:solidFill>
-                          <a:schemeClr val="tx1"/>
-                        </a:solidFill>
-                        <a:latin typeface="+mn-lt"/>
-                        <a:ea typeface="+mn-ea"/>
-                        <a:cs typeface="+mn-cs"/>
-                      </a:endParaRPr>
                     </a:p>
                   </a:txBody>
                   <a:tcPr marL="0" marR="0">
@@ -9513,7 +9268,7 @@
                         </a:lnSpc>
                       </a:pPr>
                       <a:r>
-                        <a:rPr lang="en-US" sz="1800" b="0" kern="1200" dirty="0" smtClean="0">
+                        <a:rPr lang="en-US" sz="1800" b="0" kern="1200" dirty="0">
                           <a:solidFill>
                             <a:schemeClr val="tx1"/>
                           </a:solidFill>
@@ -9523,14 +9278,6 @@
                         </a:rPr>
                         <a:t>8</a:t>
                       </a:r>
-                      <a:endParaRPr lang="en-US" sz="1800" b="0" kern="1200" dirty="0">
-                        <a:solidFill>
-                          <a:schemeClr val="tx1"/>
-                        </a:solidFill>
-                        <a:latin typeface="+mn-lt"/>
-                        <a:ea typeface="+mn-ea"/>
-                        <a:cs typeface="+mn-cs"/>
-                      </a:endParaRPr>
                     </a:p>
                   </a:txBody>
                   <a:tcPr marL="0" marR="0">
@@ -9584,7 +9331,7 @@
                         </a:lnSpc>
                       </a:pPr>
                       <a:r>
-                        <a:rPr lang="en-US" sz="1800" b="0" kern="1200" dirty="0" smtClean="0">
+                        <a:rPr lang="en-US" sz="1800" b="0" kern="1200" dirty="0">
                           <a:solidFill>
                             <a:schemeClr val="tx1"/>
                           </a:solidFill>
@@ -9594,14 +9341,6 @@
                         </a:rPr>
                         <a:t>10</a:t>
                       </a:r>
-                      <a:endParaRPr lang="en-US" sz="1800" b="0" kern="1200" dirty="0">
-                        <a:solidFill>
-                          <a:schemeClr val="tx1"/>
-                        </a:solidFill>
-                        <a:latin typeface="+mn-lt"/>
-                        <a:ea typeface="+mn-ea"/>
-                        <a:cs typeface="+mn-cs"/>
-                      </a:endParaRPr>
                     </a:p>
                   </a:txBody>
                   <a:tcPr marL="0" marR="0">
@@ -9655,7 +9394,7 @@
                         </a:lnSpc>
                       </a:pPr>
                       <a:r>
-                        <a:rPr lang="en-US" sz="1800" b="0" kern="1200" dirty="0" smtClean="0">
+                        <a:rPr lang="en-US" sz="1800" b="0" kern="1200" dirty="0">
                           <a:solidFill>
                             <a:schemeClr val="tx1"/>
                           </a:solidFill>
@@ -9665,14 +9404,6 @@
                         </a:rPr>
                         <a:t>13</a:t>
                       </a:r>
-                      <a:endParaRPr lang="en-US" sz="1800" b="0" kern="1200" dirty="0">
-                        <a:solidFill>
-                          <a:schemeClr val="tx1"/>
-                        </a:solidFill>
-                        <a:latin typeface="+mn-lt"/>
-                        <a:ea typeface="+mn-ea"/>
-                        <a:cs typeface="+mn-cs"/>
-                      </a:endParaRPr>
                     </a:p>
                   </a:txBody>
                   <a:tcPr marL="0" marR="0">
@@ -9726,7 +9457,7 @@
                         </a:lnSpc>
                       </a:pPr>
                       <a:r>
-                        <a:rPr lang="en-US" sz="1800" b="0" kern="1200" dirty="0" smtClean="0">
+                        <a:rPr lang="en-US" sz="1800" b="0" kern="1200" dirty="0">
                           <a:solidFill>
                             <a:schemeClr val="tx1"/>
                           </a:solidFill>
@@ -9736,14 +9467,6 @@
                         </a:rPr>
                         <a:t>14</a:t>
                       </a:r>
-                      <a:endParaRPr lang="en-US" sz="1800" b="0" kern="1200" dirty="0">
-                        <a:solidFill>
-                          <a:schemeClr val="tx1"/>
-                        </a:solidFill>
-                        <a:latin typeface="+mn-lt"/>
-                        <a:ea typeface="+mn-ea"/>
-                        <a:cs typeface="+mn-cs"/>
-                      </a:endParaRPr>
                     </a:p>
                   </a:txBody>
                   <a:tcPr marL="0" marR="0">
@@ -9786,6 +9509,11 @@
                     <a:noFill/>
                   </a:tcPr>
                 </a:tc>
+                <a:extLst>
+                  <a:ext uri="{0D108BD9-81ED-4DB2-BD59-A6C34878D82A}">
+                    <a16:rowId xmlns:a16="http://schemas.microsoft.com/office/drawing/2014/main" val="10000"/>
+                  </a:ext>
+                </a:extLst>
               </a:tr>
             </a:tbl>
           </a:graphicData>
@@ -10164,10 +9892,10 @@
               </a:lnSpc>
             </a:pPr>
             <a:r>
-              <a:rPr lang="en-US" smtClean="0"/>
+              <a:rPr lang="en-US"/>
               <a:t>Begin position</a:t>
             </a:r>
-            <a:endParaRPr lang="en-US" dirty="0" smtClean="0"/>
+            <a:endParaRPr lang="en-US" dirty="0"/>
           </a:p>
         </p:txBody>
       </p:sp>
@@ -10200,7 +9928,7 @@
               </a:lnSpc>
             </a:pPr>
             <a:r>
-              <a:rPr lang="en-US" dirty="0" smtClean="0"/>
+              <a:rPr lang="en-US" dirty="0"/>
               <a:t>Adjacency list</a:t>
             </a:r>
           </a:p>
@@ -10231,12 +9959,48 @@
                 <a:tableStyleId>{5C22544A-7EE6-4342-B048-85BDC9FD1C3A}</a:tableStyleId>
               </a:tblPr>
               <a:tblGrid>
-                <a:gridCol w="310606"/>
-                <a:gridCol w="310606"/>
-                <a:gridCol w="310606"/>
-                <a:gridCol w="310606"/>
-                <a:gridCol w="310606"/>
-                <a:gridCol w="310606"/>
+                <a:gridCol w="310606">
+                  <a:extLst>
+                    <a:ext uri="{9D8B030D-6E8A-4147-A177-3AD203B41FA5}">
+                      <a16:colId xmlns:a16="http://schemas.microsoft.com/office/drawing/2014/main" val="20000"/>
+                    </a:ext>
+                  </a:extLst>
+                </a:gridCol>
+                <a:gridCol w="310606">
+                  <a:extLst>
+                    <a:ext uri="{9D8B030D-6E8A-4147-A177-3AD203B41FA5}">
+                      <a16:colId xmlns:a16="http://schemas.microsoft.com/office/drawing/2014/main" val="20001"/>
+                    </a:ext>
+                  </a:extLst>
+                </a:gridCol>
+                <a:gridCol w="310606">
+                  <a:extLst>
+                    <a:ext uri="{9D8B030D-6E8A-4147-A177-3AD203B41FA5}">
+                      <a16:colId xmlns:a16="http://schemas.microsoft.com/office/drawing/2014/main" val="20002"/>
+                    </a:ext>
+                  </a:extLst>
+                </a:gridCol>
+                <a:gridCol w="310606">
+                  <a:extLst>
+                    <a:ext uri="{9D8B030D-6E8A-4147-A177-3AD203B41FA5}">
+                      <a16:colId xmlns:a16="http://schemas.microsoft.com/office/drawing/2014/main" val="20003"/>
+                    </a:ext>
+                  </a:extLst>
+                </a:gridCol>
+                <a:gridCol w="310606">
+                  <a:extLst>
+                    <a:ext uri="{9D8B030D-6E8A-4147-A177-3AD203B41FA5}">
+                      <a16:colId xmlns:a16="http://schemas.microsoft.com/office/drawing/2014/main" val="20004"/>
+                    </a:ext>
+                  </a:extLst>
+                </a:gridCol>
+                <a:gridCol w="310606">
+                  <a:extLst>
+                    <a:ext uri="{9D8B030D-6E8A-4147-A177-3AD203B41FA5}">
+                      <a16:colId xmlns:a16="http://schemas.microsoft.com/office/drawing/2014/main" val="20005"/>
+                    </a:ext>
+                  </a:extLst>
+                </a:gridCol>
               </a:tblGrid>
               <a:tr h="280550">
                 <a:tc>
@@ -10250,7 +10014,7 @@
                         </a:lnSpc>
                       </a:pPr>
                       <a:r>
-                        <a:rPr lang="en-US" sz="1800" b="0" kern="1200" dirty="0" smtClean="0">
+                        <a:rPr lang="en-US" sz="1800" b="0" kern="1200" dirty="0">
                           <a:solidFill>
                             <a:schemeClr val="tx1"/>
                           </a:solidFill>
@@ -10260,14 +10024,6 @@
                         </a:rPr>
                         <a:t>a</a:t>
                       </a:r>
-                      <a:endParaRPr lang="en-US" sz="1800" b="0" kern="1200" dirty="0">
-                        <a:solidFill>
-                          <a:schemeClr val="tx1"/>
-                        </a:solidFill>
-                        <a:latin typeface="+mn-lt"/>
-                        <a:ea typeface="+mn-ea"/>
-                        <a:cs typeface="+mn-cs"/>
-                      </a:endParaRPr>
                     </a:p>
                   </a:txBody>
                   <a:tcPr marL="0" marR="0">
@@ -10321,7 +10077,7 @@
                         </a:lnSpc>
                       </a:pPr>
                       <a:r>
-                        <a:rPr lang="en-US" sz="1800" b="0" kern="1200" dirty="0" smtClean="0">
+                        <a:rPr lang="en-US" sz="1800" b="0" kern="1200" dirty="0">
                           <a:solidFill>
                             <a:schemeClr val="tx1"/>
                           </a:solidFill>
@@ -10331,14 +10087,6 @@
                         </a:rPr>
                         <a:t>b</a:t>
                       </a:r>
-                      <a:endParaRPr lang="en-US" sz="1800" b="0" kern="1200" dirty="0">
-                        <a:solidFill>
-                          <a:schemeClr val="tx1"/>
-                        </a:solidFill>
-                        <a:latin typeface="+mn-lt"/>
-                        <a:ea typeface="+mn-ea"/>
-                        <a:cs typeface="+mn-cs"/>
-                      </a:endParaRPr>
                     </a:p>
                   </a:txBody>
                   <a:tcPr marL="0" marR="0">
@@ -10392,7 +10140,7 @@
                         </a:lnSpc>
                       </a:pPr>
                       <a:r>
-                        <a:rPr lang="en-US" sz="1800" b="0" kern="1200" dirty="0" smtClean="0">
+                        <a:rPr lang="en-US" sz="1800" b="0" kern="1200" dirty="0">
                           <a:solidFill>
                             <a:schemeClr val="tx1"/>
                           </a:solidFill>
@@ -10402,14 +10150,6 @@
                         </a:rPr>
                         <a:t>c</a:t>
                       </a:r>
-                      <a:endParaRPr lang="en-US" sz="1800" b="0" kern="1200" dirty="0">
-                        <a:solidFill>
-                          <a:schemeClr val="tx1"/>
-                        </a:solidFill>
-                        <a:latin typeface="+mn-lt"/>
-                        <a:ea typeface="+mn-ea"/>
-                        <a:cs typeface="+mn-cs"/>
-                      </a:endParaRPr>
                     </a:p>
                   </a:txBody>
                   <a:tcPr marL="0" marR="0">
@@ -10463,7 +10203,7 @@
                         </a:lnSpc>
                       </a:pPr>
                       <a:r>
-                        <a:rPr lang="en-US" sz="1800" b="0" kern="1200" dirty="0" smtClean="0">
+                        <a:rPr lang="en-US" sz="1800" b="0" kern="1200" dirty="0">
                           <a:solidFill>
                             <a:schemeClr val="tx1"/>
                           </a:solidFill>
@@ -10473,14 +10213,6 @@
                         </a:rPr>
                         <a:t>d</a:t>
                       </a:r>
-                      <a:endParaRPr lang="en-US" sz="1800" b="0" kern="1200" dirty="0">
-                        <a:solidFill>
-                          <a:schemeClr val="tx1"/>
-                        </a:solidFill>
-                        <a:latin typeface="+mn-lt"/>
-                        <a:ea typeface="+mn-ea"/>
-                        <a:cs typeface="+mn-cs"/>
-                      </a:endParaRPr>
                     </a:p>
                   </a:txBody>
                   <a:tcPr marL="0" marR="0">
@@ -10534,7 +10266,7 @@
                         </a:lnSpc>
                       </a:pPr>
                       <a:r>
-                        <a:rPr lang="en-US" sz="1800" b="0" kern="1200" dirty="0" smtClean="0">
+                        <a:rPr lang="en-US" sz="1800" b="0" kern="1200" dirty="0">
                           <a:solidFill>
                             <a:schemeClr val="tx1"/>
                           </a:solidFill>
@@ -10544,14 +10276,6 @@
                         </a:rPr>
                         <a:t>e</a:t>
                       </a:r>
-                      <a:endParaRPr lang="en-US" sz="1800" b="0" kern="1200" dirty="0">
-                        <a:solidFill>
-                          <a:schemeClr val="tx1"/>
-                        </a:solidFill>
-                        <a:latin typeface="+mn-lt"/>
-                        <a:ea typeface="+mn-ea"/>
-                        <a:cs typeface="+mn-cs"/>
-                      </a:endParaRPr>
                     </a:p>
                   </a:txBody>
                   <a:tcPr marL="0" marR="0">
@@ -10605,7 +10329,7 @@
                         </a:lnSpc>
                       </a:pPr>
                       <a:r>
-                        <a:rPr lang="en-US" sz="1800" b="0" kern="1200" dirty="0" smtClean="0">
+                        <a:rPr lang="en-US" sz="1800" b="0" kern="1200" dirty="0">
                           <a:solidFill>
                             <a:schemeClr val="tx1"/>
                           </a:solidFill>
@@ -10615,14 +10339,6 @@
                         </a:rPr>
                         <a:t>f</a:t>
                       </a:r>
-                      <a:endParaRPr lang="en-US" sz="1800" b="0" kern="1200" dirty="0">
-                        <a:solidFill>
-                          <a:schemeClr val="tx1"/>
-                        </a:solidFill>
-                        <a:latin typeface="+mn-lt"/>
-                        <a:ea typeface="+mn-ea"/>
-                        <a:cs typeface="+mn-cs"/>
-                      </a:endParaRPr>
                     </a:p>
                   </a:txBody>
                   <a:tcPr marL="0" marR="0">
@@ -10665,6 +10381,11 @@
                     <a:noFill/>
                   </a:tcPr>
                 </a:tc>
+                <a:extLst>
+                  <a:ext uri="{0D108BD9-81ED-4DB2-BD59-A6C34878D82A}">
+                    <a16:rowId xmlns:a16="http://schemas.microsoft.com/office/drawing/2014/main" val="10000"/>
+                  </a:ext>
+                </a:extLst>
               </a:tr>
             </a:tbl>
           </a:graphicData>
@@ -10699,10 +10420,10 @@
               </a:lnSpc>
             </a:pPr>
             <a:r>
-              <a:rPr lang="en-US" smtClean="0"/>
+              <a:rPr lang="en-US"/>
               <a:t>Vertex ID</a:t>
             </a:r>
-            <a:endParaRPr lang="en-US" dirty="0" smtClean="0"/>
+            <a:endParaRPr lang="en-US" dirty="0"/>
           </a:p>
         </p:txBody>
       </p:sp>
@@ -10735,10 +10456,10 @@
               </a:lnSpc>
             </a:pPr>
             <a:r>
-              <a:rPr lang="en-US" smtClean="0"/>
+              <a:rPr lang="en-US"/>
               <a:t>Weight list</a:t>
             </a:r>
-            <a:endParaRPr lang="en-US" dirty="0" smtClean="0"/>
+            <a:endParaRPr lang="en-US" dirty="0"/>
           </a:p>
         </p:txBody>
       </p:sp>
@@ -10771,10 +10492,10 @@
               </a:lnSpc>
             </a:pPr>
             <a:r>
-              <a:rPr lang="en-US" smtClean="0"/>
+              <a:rPr lang="en-US"/>
               <a:t>src</a:t>
             </a:r>
-            <a:endParaRPr lang="en-US" dirty="0" smtClean="0"/>
+            <a:endParaRPr lang="en-US" dirty="0"/>
           </a:p>
         </p:txBody>
       </p:sp>
@@ -10807,10 +10528,10 @@
               </a:lnSpc>
             </a:pPr>
             <a:r>
-              <a:rPr lang="en-US" smtClean="0"/>
+              <a:rPr lang="en-US"/>
               <a:t>dest</a:t>
             </a:r>
-            <a:endParaRPr lang="en-US" dirty="0" smtClean="0"/>
+            <a:endParaRPr lang="en-US" dirty="0"/>
           </a:p>
         </p:txBody>
       </p:sp>
@@ -10843,7 +10564,7 @@
               </a:lnSpc>
             </a:pPr>
             <a:r>
-              <a:rPr lang="en-US" dirty="0" smtClean="0"/>
+              <a:rPr lang="en-US" dirty="0"/>
               <a:t>weight</a:t>
             </a:r>
           </a:p>
@@ -10878,10 +10599,10 @@
               </a:lnSpc>
             </a:pPr>
             <a:r>
-              <a:rPr lang="en-US" smtClean="0"/>
+              <a:rPr lang="en-US"/>
               <a:t>src</a:t>
             </a:r>
-            <a:endParaRPr lang="en-US" dirty="0" smtClean="0"/>
+            <a:endParaRPr lang="en-US" dirty="0"/>
           </a:p>
         </p:txBody>
       </p:sp>
@@ -10914,10 +10635,10 @@
               </a:lnSpc>
             </a:pPr>
             <a:r>
-              <a:rPr lang="en-US" smtClean="0"/>
+              <a:rPr lang="en-US"/>
               <a:t>dest</a:t>
             </a:r>
-            <a:endParaRPr lang="en-US" dirty="0" smtClean="0"/>
+            <a:endParaRPr lang="en-US" dirty="0"/>
           </a:p>
         </p:txBody>
       </p:sp>
@@ -10950,7 +10671,7 @@
               </a:lnSpc>
             </a:pPr>
             <a:r>
-              <a:rPr lang="en-US" dirty="0" smtClean="0"/>
+              <a:rPr lang="en-US" dirty="0"/>
               <a:t>weight</a:t>
             </a:r>
           </a:p>
@@ -12026,13 +11747,6 @@
   <p:clrMapOvr>
     <a:masterClrMapping/>
   </p:clrMapOvr>
-  <p:timing>
-    <p:tnLst>
-      <p:par>
-        <p:cTn id="1" dur="indefinite" restart="never" nodeType="tmRoot"/>
-      </p:par>
-    </p:tnLst>
-  </p:timing>
 </p:sld>
 </file>
 
